--- a/05_revue_de_projet/revues/revue_02/alan_carrer/diaporama.pptx
+++ b/05_revue_de_projet/revues/revue_02/alan_carrer/diaporama.pptx
@@ -6,11 +6,17 @@
   </p:sldMasterIdLst>
   <p:sldIdLst>
     <p:sldId id="256" r:id="rId2"/>
-    <p:sldId id="261" r:id="rId3"/>
-    <p:sldId id="257" r:id="rId4"/>
-    <p:sldId id="258" r:id="rId5"/>
-    <p:sldId id="259" r:id="rId6"/>
-    <p:sldId id="260" r:id="rId7"/>
+    <p:sldId id="268" r:id="rId3"/>
+    <p:sldId id="261" r:id="rId4"/>
+    <p:sldId id="267" r:id="rId5"/>
+    <p:sldId id="266" r:id="rId6"/>
+    <p:sldId id="258" r:id="rId7"/>
+    <p:sldId id="262" r:id="rId8"/>
+    <p:sldId id="263" r:id="rId9"/>
+    <p:sldId id="264" r:id="rId10"/>
+    <p:sldId id="265" r:id="rId11"/>
+    <p:sldId id="257" r:id="rId12"/>
+    <p:sldId id="260" r:id="rId13"/>
   </p:sldIdLst>
   <p:sldSz cx="12192000" cy="6858000"/>
   <p:notesSz cx="6858000" cy="9144000"/>
@@ -334,7 +340,7 @@
           <a:p>
             <a:fld id="{1F5DCE98-6469-4349-83BA-9C41D5BCF405}" type="datetimeFigureOut">
               <a:rPr lang="fr-FR" smtClean="0"/>
-              <a:t>01/02/2018</a:t>
+              <a:t>12/03/2018</a:t>
             </a:fld>
             <a:endParaRPr lang="fr-FR"/>
           </a:p>
@@ -625,7 +631,7 @@
           <a:p>
             <a:fld id="{1F5DCE98-6469-4349-83BA-9C41D5BCF405}" type="datetimeFigureOut">
               <a:rPr lang="fr-FR" smtClean="0"/>
-              <a:t>01/02/2018</a:t>
+              <a:t>12/03/2018</a:t>
             </a:fld>
             <a:endParaRPr lang="fr-FR"/>
           </a:p>
@@ -884,7 +890,7 @@
           <a:p>
             <a:fld id="{1F5DCE98-6469-4349-83BA-9C41D5BCF405}" type="datetimeFigureOut">
               <a:rPr lang="fr-FR" smtClean="0"/>
-              <a:t>01/02/2018</a:t>
+              <a:t>12/03/2018</a:t>
             </a:fld>
             <a:endParaRPr lang="fr-FR"/>
           </a:p>
@@ -1353,7 +1359,7 @@
           <a:p>
             <a:fld id="{1F5DCE98-6469-4349-83BA-9C41D5BCF405}" type="datetimeFigureOut">
               <a:rPr lang="fr-FR" smtClean="0"/>
-              <a:t>01/02/2018</a:t>
+              <a:t>12/03/2018</a:t>
             </a:fld>
             <a:endParaRPr lang="fr-FR"/>
           </a:p>
@@ -1533,7 +1539,7 @@
           <a:p>
             <a:fld id="{1F5DCE98-6469-4349-83BA-9C41D5BCF405}" type="datetimeFigureOut">
               <a:rPr lang="fr-FR" smtClean="0"/>
-              <a:t>01/02/2018</a:t>
+              <a:t>12/03/2018</a:t>
             </a:fld>
             <a:endParaRPr lang="fr-FR"/>
           </a:p>
@@ -2109,7 +2115,7 @@
           <a:p>
             <a:fld id="{1F5DCE98-6469-4349-83BA-9C41D5BCF405}" type="datetimeFigureOut">
               <a:rPr lang="fr-FR" smtClean="0"/>
-              <a:t>01/02/2018</a:t>
+              <a:t>12/03/2018</a:t>
             </a:fld>
             <a:endParaRPr lang="fr-FR"/>
           </a:p>
@@ -2441,7 +2447,7 @@
           <a:p>
             <a:fld id="{1F5DCE98-6469-4349-83BA-9C41D5BCF405}" type="datetimeFigureOut">
               <a:rPr lang="fr-FR" smtClean="0"/>
-              <a:t>01/02/2018</a:t>
+              <a:t>12/03/2018</a:t>
             </a:fld>
             <a:endParaRPr lang="fr-FR"/>
           </a:p>
@@ -2616,7 +2622,7 @@
           <a:p>
             <a:fld id="{1F5DCE98-6469-4349-83BA-9C41D5BCF405}" type="datetimeFigureOut">
               <a:rPr lang="fr-FR" smtClean="0"/>
-              <a:t>01/02/2018</a:t>
+              <a:t>12/03/2018</a:t>
             </a:fld>
             <a:endParaRPr lang="fr-FR"/>
           </a:p>
@@ -2796,7 +2802,7 @@
           <a:p>
             <a:fld id="{1F5DCE98-6469-4349-83BA-9C41D5BCF405}" type="datetimeFigureOut">
               <a:rPr lang="fr-FR" smtClean="0"/>
-              <a:t>01/02/2018</a:t>
+              <a:t>12/03/2018</a:t>
             </a:fld>
             <a:endParaRPr lang="fr-FR"/>
           </a:p>
@@ -2966,7 +2972,7 @@
           <a:p>
             <a:fld id="{1F5DCE98-6469-4349-83BA-9C41D5BCF405}" type="datetimeFigureOut">
               <a:rPr lang="fr-FR" smtClean="0"/>
-              <a:t>01/02/2018</a:t>
+              <a:t>12/03/2018</a:t>
             </a:fld>
             <a:endParaRPr lang="fr-FR"/>
           </a:p>
@@ -3223,7 +3229,7 @@
           <a:p>
             <a:fld id="{1F5DCE98-6469-4349-83BA-9C41D5BCF405}" type="datetimeFigureOut">
               <a:rPr lang="fr-FR" smtClean="0"/>
-              <a:t>01/02/2018</a:t>
+              <a:t>12/03/2018</a:t>
             </a:fld>
             <a:endParaRPr lang="fr-FR"/>
           </a:p>
@@ -3515,7 +3521,7 @@
           <a:p>
             <a:fld id="{1F5DCE98-6469-4349-83BA-9C41D5BCF405}" type="datetimeFigureOut">
               <a:rPr lang="fr-FR" smtClean="0"/>
-              <a:t>01/02/2018</a:t>
+              <a:t>12/03/2018</a:t>
             </a:fld>
             <a:endParaRPr lang="fr-FR"/>
           </a:p>
@@ -3945,7 +3951,7 @@
           <a:p>
             <a:fld id="{1F5DCE98-6469-4349-83BA-9C41D5BCF405}" type="datetimeFigureOut">
               <a:rPr lang="fr-FR" smtClean="0"/>
-              <a:t>01/02/2018</a:t>
+              <a:t>12/03/2018</a:t>
             </a:fld>
             <a:endParaRPr lang="fr-FR"/>
           </a:p>
@@ -4063,7 +4069,7 @@
           <a:p>
             <a:fld id="{1F5DCE98-6469-4349-83BA-9C41D5BCF405}" type="datetimeFigureOut">
               <a:rPr lang="fr-FR" smtClean="0"/>
-              <a:t>01/02/2018</a:t>
+              <a:t>12/03/2018</a:t>
             </a:fld>
             <a:endParaRPr lang="fr-FR"/>
           </a:p>
@@ -4158,7 +4164,7 @@
           <a:p>
             <a:fld id="{1F5DCE98-6469-4349-83BA-9C41D5BCF405}" type="datetimeFigureOut">
               <a:rPr lang="fr-FR" smtClean="0"/>
-              <a:t>01/02/2018</a:t>
+              <a:t>12/03/2018</a:t>
             </a:fld>
             <a:endParaRPr lang="fr-FR"/>
           </a:p>
@@ -4441,7 +4447,7 @@
           <a:p>
             <a:fld id="{1F5DCE98-6469-4349-83BA-9C41D5BCF405}" type="datetimeFigureOut">
               <a:rPr lang="fr-FR" smtClean="0"/>
-              <a:t>01/02/2018</a:t>
+              <a:t>12/03/2018</a:t>
             </a:fld>
             <a:endParaRPr lang="fr-FR"/>
           </a:p>
@@ -4732,7 +4738,7 @@
           <a:p>
             <a:fld id="{1F5DCE98-6469-4349-83BA-9C41D5BCF405}" type="datetimeFigureOut">
               <a:rPr lang="fr-FR" smtClean="0"/>
-              <a:t>01/02/2018</a:t>
+              <a:t>12/03/2018</a:t>
             </a:fld>
             <a:endParaRPr lang="fr-FR"/>
           </a:p>
@@ -4963,7 +4969,7 @@
           <a:p>
             <a:fld id="{1F5DCE98-6469-4349-83BA-9C41D5BCF405}" type="datetimeFigureOut">
               <a:rPr lang="fr-FR" smtClean="0"/>
-              <a:t>01/02/2018</a:t>
+              <a:t>12/03/2018</a:t>
             </a:fld>
             <a:endParaRPr lang="fr-FR"/>
           </a:p>
@@ -5990,7 +5996,7 @@
 </p:sld>
 </file>
 
-<file path=ppt/slides/slide2.xml><?xml version="1.0" encoding="utf-8"?>
+<file path=ppt/slides/slide10.xml><?xml version="1.0" encoding="utf-8"?>
 <p:sld xmlns:a="http://schemas.openxmlformats.org/drawingml/2006/main" xmlns:r="http://schemas.openxmlformats.org/officeDocument/2006/relationships" xmlns:p="http://schemas.openxmlformats.org/presentationml/2006/main">
   <p:cSld>
     <p:spTree>
@@ -6012,233 +6018,6 @@
           <p:cNvPr id="2" name="Titre 1">
             <a:extLst>
               <a:ext uri="{FF2B5EF4-FFF2-40B4-BE49-F238E27FC236}">
-                <a16:creationId xmlns:a16="http://schemas.microsoft.com/office/drawing/2014/main" id="{98C08574-A24D-43A7-8128-4E99DCE46F1C}"/>
-              </a:ext>
-            </a:extLst>
-          </p:cNvPr>
-          <p:cNvSpPr>
-            <a:spLocks noGrp="1"/>
-          </p:cNvSpPr>
-          <p:nvPr>
-            <p:ph type="title"/>
-          </p:nvPr>
-        </p:nvSpPr>
-        <p:spPr/>
-        <p:txBody>
-          <a:bodyPr/>
-          <a:lstStyle/>
-          <a:p>
-            <a:r>
-              <a:rPr lang="fr-FR" dirty="0"/>
-              <a:t>Description du projet</a:t>
-            </a:r>
-          </a:p>
-        </p:txBody>
-      </p:sp>
-      <p:sp>
-        <p:nvSpPr>
-          <p:cNvPr id="3" name="Espace réservé du contenu 2">
-            <a:extLst>
-              <a:ext uri="{FF2B5EF4-FFF2-40B4-BE49-F238E27FC236}">
-                <a16:creationId xmlns:a16="http://schemas.microsoft.com/office/drawing/2014/main" id="{9373991F-B03D-40BB-BAD4-D431C3DFEFBB}"/>
-              </a:ext>
-            </a:extLst>
-          </p:cNvPr>
-          <p:cNvSpPr>
-            <a:spLocks noGrp="1"/>
-          </p:cNvSpPr>
-          <p:nvPr>
-            <p:ph idx="1"/>
-          </p:nvPr>
-        </p:nvSpPr>
-        <p:spPr/>
-        <p:txBody>
-          <a:bodyPr/>
-          <a:lstStyle/>
-          <a:p>
-            <a:r>
-              <a:rPr lang="fr-FR" dirty="0"/>
-              <a:t>Amélioration banc de teste actuel</a:t>
-            </a:r>
-          </a:p>
-          <a:p>
-            <a:endParaRPr lang="fr-FR" dirty="0"/>
-          </a:p>
-          <a:p>
-            <a:r>
-              <a:rPr lang="fr-FR" dirty="0"/>
-              <a:t>Stocker des relevés et les consulter plus tard (web)</a:t>
-            </a:r>
-          </a:p>
-          <a:p>
-            <a:endParaRPr lang="fr-FR" dirty="0"/>
-          </a:p>
-          <a:p>
-            <a:r>
-              <a:rPr lang="fr-FR" dirty="0"/>
-              <a:t>Sécuriser l’accès</a:t>
-            </a:r>
-          </a:p>
-        </p:txBody>
-      </p:sp>
-      <p:pic>
-        <p:nvPicPr>
-          <p:cNvPr id="5" name="Image 4">
-            <a:extLst>
-              <a:ext uri="{FF2B5EF4-FFF2-40B4-BE49-F238E27FC236}">
-                <a16:creationId xmlns:a16="http://schemas.microsoft.com/office/drawing/2014/main" id="{9984D482-DE37-4057-9FDD-9A3E52718FCB}"/>
-              </a:ext>
-            </a:extLst>
-          </p:cNvPr>
-          <p:cNvPicPr>
-            <a:picLocks noChangeAspect="1"/>
-          </p:cNvPicPr>
-          <p:nvPr/>
-        </p:nvPicPr>
-        <p:blipFill>
-          <a:blip r:embed="rId2">
-            <a:extLst>
-              <a:ext uri="{28A0092B-C50C-407E-A947-70E740481C1C}">
-                <a14:useLocalDpi xmlns:a14="http://schemas.microsoft.com/office/drawing/2010/main" val="0"/>
-              </a:ext>
-            </a:extLst>
-          </a:blip>
-          <a:stretch>
-            <a:fillRect/>
-          </a:stretch>
-        </p:blipFill>
-        <p:spPr>
-          <a:xfrm>
-            <a:off x="9339943" y="1619411"/>
-            <a:ext cx="2852057" cy="1942778"/>
-          </a:xfrm>
-          <a:prstGeom prst="rect">
-            <a:avLst/>
-          </a:prstGeom>
-        </p:spPr>
-      </p:pic>
-      <p:pic>
-        <p:nvPicPr>
-          <p:cNvPr id="6" name="Image 5">
-            <a:extLst>
-              <a:ext uri="{FF2B5EF4-FFF2-40B4-BE49-F238E27FC236}">
-                <a16:creationId xmlns:a16="http://schemas.microsoft.com/office/drawing/2014/main" id="{BD23566E-974C-4903-9CA9-A71684C878CE}"/>
-              </a:ext>
-            </a:extLst>
-          </p:cNvPr>
-          <p:cNvPicPr>
-            <a:picLocks noChangeAspect="1"/>
-          </p:cNvPicPr>
-          <p:nvPr/>
-        </p:nvPicPr>
-        <p:blipFill>
-          <a:blip r:embed="rId3">
-            <a:extLst>
-              <a:ext uri="{28A0092B-C50C-407E-A947-70E740481C1C}">
-                <a14:useLocalDpi xmlns:a14="http://schemas.microsoft.com/office/drawing/2010/main" val="0"/>
-              </a:ext>
-            </a:extLst>
-          </a:blip>
-          <a:stretch>
-            <a:fillRect/>
-          </a:stretch>
-        </p:blipFill>
-        <p:spPr>
-          <a:xfrm>
-            <a:off x="9866489" y="6122696"/>
-            <a:ext cx="2325511" cy="735304"/>
-          </a:xfrm>
-          <a:prstGeom prst="rect">
-            <a:avLst/>
-          </a:prstGeom>
-        </p:spPr>
-      </p:pic>
-      <p:pic>
-        <p:nvPicPr>
-          <p:cNvPr id="8" name="Image 7">
-            <a:extLst>
-              <a:ext uri="{FF2B5EF4-FFF2-40B4-BE49-F238E27FC236}">
-                <a16:creationId xmlns:a16="http://schemas.microsoft.com/office/drawing/2014/main" id="{62A410F5-7D57-4805-97B8-B5C7507FA2E3}"/>
-              </a:ext>
-            </a:extLst>
-          </p:cNvPr>
-          <p:cNvPicPr>
-            <a:picLocks noChangeAspect="1"/>
-          </p:cNvPicPr>
-          <p:nvPr/>
-        </p:nvPicPr>
-        <p:blipFill>
-          <a:blip r:embed="rId4">
-            <a:extLst>
-              <a:ext uri="{BEBA8EAE-BF5A-486C-A8C5-ECC9F3942E4B}">
-                <a14:imgProps xmlns:a14="http://schemas.microsoft.com/office/drawing/2010/main">
-                  <a14:imgLayer r:embed="rId5">
-                    <a14:imgEffect>
-                      <a14:artisticPhotocopy/>
-                    </a14:imgEffect>
-                    <a14:imgEffect>
-                      <a14:colorTemperature colorTemp="11500"/>
-                    </a14:imgEffect>
-                    <a14:imgEffect>
-                      <a14:saturation sat="400000"/>
-                    </a14:imgEffect>
-                  </a14:imgLayer>
-                </a14:imgProps>
-              </a:ext>
-              <a:ext uri="{28A0092B-C50C-407E-A947-70E740481C1C}">
-                <a14:useLocalDpi xmlns:a14="http://schemas.microsoft.com/office/drawing/2010/main" val="0"/>
-              </a:ext>
-            </a:extLst>
-          </a:blip>
-          <a:stretch>
-            <a:fillRect/>
-          </a:stretch>
-        </p:blipFill>
-        <p:spPr>
-          <a:xfrm>
-            <a:off x="10082051" y="4068245"/>
-            <a:ext cx="1367840" cy="1548395"/>
-          </a:xfrm>
-          <a:prstGeom prst="rect">
-            <a:avLst/>
-          </a:prstGeom>
-        </p:spPr>
-      </p:pic>
-    </p:spTree>
-    <p:extLst>
-      <p:ext uri="{BB962C8B-B14F-4D97-AF65-F5344CB8AC3E}">
-        <p14:creationId xmlns:p14="http://schemas.microsoft.com/office/powerpoint/2010/main" val="2278404560"/>
-      </p:ext>
-    </p:extLst>
-  </p:cSld>
-  <p:clrMapOvr>
-    <a:masterClrMapping/>
-  </p:clrMapOvr>
-</p:sld>
-</file>
-
-<file path=ppt/slides/slide3.xml><?xml version="1.0" encoding="utf-8"?>
-<p:sld xmlns:a="http://schemas.openxmlformats.org/drawingml/2006/main" xmlns:r="http://schemas.openxmlformats.org/officeDocument/2006/relationships" xmlns:p="http://schemas.openxmlformats.org/presentationml/2006/main">
-  <p:cSld>
-    <p:spTree>
-      <p:nvGrpSpPr>
-        <p:cNvPr id="1" name=""/>
-        <p:cNvGrpSpPr/>
-        <p:nvPr/>
-      </p:nvGrpSpPr>
-      <p:grpSpPr>
-        <a:xfrm>
-          <a:off x="0" y="0"/>
-          <a:ext cx="0" cy="0"/>
-          <a:chOff x="0" y="0"/>
-          <a:chExt cx="0" cy="0"/>
-        </a:xfrm>
-      </p:grpSpPr>
-      <p:sp>
-        <p:nvSpPr>
-          <p:cNvPr id="2" name="Titre 1">
-            <a:extLst>
-              <a:ext uri="{FF2B5EF4-FFF2-40B4-BE49-F238E27FC236}">
                 <a16:creationId xmlns:a16="http://schemas.microsoft.com/office/drawing/2014/main" id="{71F52973-9E34-4B64-BFE4-2E42711F3666}"/>
               </a:ext>
             </a:extLst>
@@ -6250,38 +6029,10 @@
             <p:ph type="title"/>
           </p:nvPr>
         </p:nvSpPr>
-        <p:spPr/>
-        <p:txBody>
-          <a:bodyPr/>
-          <a:lstStyle/>
-          <a:p>
-            <a:r>
-              <a:rPr lang="fr-FR" dirty="0"/>
-              <a:t>Présentation de l'équipe</a:t>
-            </a:r>
-          </a:p>
-        </p:txBody>
-      </p:sp>
-      <p:sp>
-        <p:nvSpPr>
-          <p:cNvPr id="3" name="Espace réservé du contenu 2">
-            <a:extLst>
-              <a:ext uri="{FF2B5EF4-FFF2-40B4-BE49-F238E27FC236}">
-                <a16:creationId xmlns:a16="http://schemas.microsoft.com/office/drawing/2014/main" id="{A0F461CD-3EAF-4801-A1FE-4753263CAA8E}"/>
-              </a:ext>
-            </a:extLst>
-          </p:cNvPr>
-          <p:cNvSpPr>
-            <a:spLocks noGrp="1"/>
-          </p:cNvSpPr>
-          <p:nvPr>
-            <p:ph idx="1"/>
-          </p:nvPr>
-        </p:nvSpPr>
-        <p:spPr>
-          <a:xfrm>
-            <a:off x="1141413" y="2797588"/>
-            <a:ext cx="3859795" cy="2520360"/>
+        <p:spPr>
+          <a:xfrm>
+            <a:off x="1123246" y="337738"/>
+            <a:ext cx="9905998" cy="721895"/>
           </a:xfrm>
         </p:spPr>
         <p:txBody>
@@ -6291,540 +6042,8 @@
           <a:lstStyle/>
           <a:p>
             <a:r>
-              <a:rPr lang="fr-FR" b="1" dirty="0">
-                <a:solidFill>
-                  <a:srgbClr val="66FF66"/>
-                </a:solidFill>
-              </a:rPr>
-              <a:t>Alan Carrer</a:t>
-            </a:r>
-          </a:p>
-          <a:p>
-            <a:pPr marL="0" indent="0">
-              <a:buNone/>
-            </a:pPr>
-            <a:r>
               <a:rPr lang="fr-FR" dirty="0"/>
-              <a:t>Développement de l’application</a:t>
-            </a:r>
-          </a:p>
-          <a:p>
-            <a:pPr marL="0" indent="0">
-              <a:buNone/>
-            </a:pPr>
-            <a:endParaRPr lang="fr-FR" dirty="0"/>
-          </a:p>
-          <a:p>
-            <a:r>
-              <a:rPr lang="fr-FR" dirty="0"/>
-              <a:t>Arnaud Jullien</a:t>
-            </a:r>
-          </a:p>
-          <a:p>
-            <a:pPr marL="0" indent="0">
-              <a:buNone/>
-            </a:pPr>
-            <a:r>
-              <a:rPr lang="fr-FR" dirty="0"/>
-              <a:t>Système embarqué / Base de données</a:t>
-            </a:r>
-          </a:p>
-        </p:txBody>
-      </p:sp>
-      <p:sp>
-        <p:nvSpPr>
-          <p:cNvPr id="5" name="Espace réservé du contenu 2">
-            <a:extLst>
-              <a:ext uri="{FF2B5EF4-FFF2-40B4-BE49-F238E27FC236}">
-                <a16:creationId xmlns:a16="http://schemas.microsoft.com/office/drawing/2014/main" id="{C903D92A-DE92-47E2-9703-E22478B49B30}"/>
-              </a:ext>
-            </a:extLst>
-          </p:cNvPr>
-          <p:cNvSpPr txBox="1">
-            <a:spLocks/>
-          </p:cNvSpPr>
-          <p:nvPr/>
-        </p:nvSpPr>
-        <p:spPr>
-          <a:xfrm>
-            <a:off x="7308178" y="2797588"/>
-            <a:ext cx="3402595" cy="2805481"/>
-          </a:xfrm>
-          <a:prstGeom prst="rect">
-            <a:avLst/>
-          </a:prstGeom>
-        </p:spPr>
-        <p:txBody>
-          <a:bodyPr vert="horz" lIns="91440" tIns="45720" rIns="91440" bIns="45720" rtlCol="0" anchor="ctr">
-            <a:normAutofit/>
-          </a:bodyPr>
-          <a:lstStyle>
-            <a:lvl1pPr marL="285750" indent="-285750" algn="l" defTabSz="457200" rtl="0" eaLnBrk="1" latinLnBrk="0" hangingPunct="1">
-              <a:spcBef>
-                <a:spcPct val="20000"/>
-              </a:spcBef>
-              <a:spcAft>
-                <a:spcPts val="600"/>
-              </a:spcAft>
-              <a:buClr>
-                <a:schemeClr val="tx1"/>
-              </a:buClr>
-              <a:buSzPct val="100000"/>
-              <a:buFont typeface="Arial"/>
-              <a:buChar char="•"/>
-              <a:defRPr sz="2000" kern="1200" cap="small">
-                <a:gradFill flip="none" rotWithShape="1">
-                  <a:gsLst>
-                    <a:gs pos="0">
-                      <a:schemeClr val="tx1"/>
-                    </a:gs>
-                    <a:gs pos="100000">
-                      <a:schemeClr val="tx1">
-                        <a:lumMod val="75000"/>
-                      </a:schemeClr>
-                    </a:gs>
-                  </a:gsLst>
-                  <a:lin ang="5580000" scaled="0"/>
-                  <a:tileRect/>
-                </a:gradFill>
-                <a:effectLst>
-                  <a:glow rad="38100">
-                    <a:schemeClr val="bg1">
-                      <a:lumMod val="50000"/>
-                      <a:lumOff val="50000"/>
-                      <a:alpha val="20000"/>
-                    </a:schemeClr>
-                  </a:glow>
-                  <a:outerShdw blurRad="44450" dist="12700" dir="13860000" algn="tl" rotWithShape="0">
-                    <a:srgbClr val="000000">
-                      <a:alpha val="20000"/>
-                    </a:srgbClr>
-                  </a:outerShdw>
-                </a:effectLst>
-                <a:latin typeface="+mn-lt"/>
-                <a:ea typeface="+mn-ea"/>
-                <a:cs typeface="+mn-cs"/>
-              </a:defRPr>
-            </a:lvl1pPr>
-            <a:lvl2pPr marL="742950" indent="-285750" algn="l" defTabSz="457200" rtl="0" eaLnBrk="1" latinLnBrk="0" hangingPunct="1">
-              <a:spcBef>
-                <a:spcPct val="20000"/>
-              </a:spcBef>
-              <a:spcAft>
-                <a:spcPts val="600"/>
-              </a:spcAft>
-              <a:buClr>
-                <a:schemeClr val="tx1"/>
-              </a:buClr>
-              <a:buSzPct val="100000"/>
-              <a:buFont typeface="Arial"/>
-              <a:buChar char="•"/>
-              <a:defRPr sz="1800" kern="1200" cap="small">
-                <a:gradFill flip="none" rotWithShape="1">
-                  <a:gsLst>
-                    <a:gs pos="0">
-                      <a:schemeClr val="tx1"/>
-                    </a:gs>
-                    <a:gs pos="100000">
-                      <a:schemeClr val="tx1">
-                        <a:lumMod val="75000"/>
-                      </a:schemeClr>
-                    </a:gs>
-                  </a:gsLst>
-                  <a:lin ang="5580000" scaled="0"/>
-                  <a:tileRect/>
-                </a:gradFill>
-                <a:effectLst>
-                  <a:glow rad="38100">
-                    <a:schemeClr val="bg1">
-                      <a:lumMod val="50000"/>
-                      <a:lumOff val="50000"/>
-                      <a:alpha val="20000"/>
-                    </a:schemeClr>
-                  </a:glow>
-                  <a:outerShdw blurRad="44450" dist="12700" dir="13860000" algn="tl" rotWithShape="0">
-                    <a:srgbClr val="000000">
-                      <a:alpha val="20000"/>
-                    </a:srgbClr>
-                  </a:outerShdw>
-                </a:effectLst>
-                <a:latin typeface="+mn-lt"/>
-                <a:ea typeface="+mn-ea"/>
-                <a:cs typeface="+mn-cs"/>
-              </a:defRPr>
-            </a:lvl2pPr>
-            <a:lvl3pPr marL="1200150" indent="-285750" algn="l" defTabSz="457200" rtl="0" eaLnBrk="1" latinLnBrk="0" hangingPunct="1">
-              <a:spcBef>
-                <a:spcPct val="20000"/>
-              </a:spcBef>
-              <a:spcAft>
-                <a:spcPts val="600"/>
-              </a:spcAft>
-              <a:buClr>
-                <a:schemeClr val="tx1"/>
-              </a:buClr>
-              <a:buSzPct val="100000"/>
-              <a:buFont typeface="Arial"/>
-              <a:buChar char="•"/>
-              <a:defRPr sz="1600" kern="1200" cap="small">
-                <a:gradFill flip="none" rotWithShape="1">
-                  <a:gsLst>
-                    <a:gs pos="0">
-                      <a:schemeClr val="tx1"/>
-                    </a:gs>
-                    <a:gs pos="100000">
-                      <a:schemeClr val="tx1">
-                        <a:lumMod val="75000"/>
-                      </a:schemeClr>
-                    </a:gs>
-                  </a:gsLst>
-                  <a:lin ang="5580000" scaled="0"/>
-                  <a:tileRect/>
-                </a:gradFill>
-                <a:effectLst>
-                  <a:glow rad="38100">
-                    <a:schemeClr val="bg1">
-                      <a:lumMod val="50000"/>
-                      <a:lumOff val="50000"/>
-                      <a:alpha val="20000"/>
-                    </a:schemeClr>
-                  </a:glow>
-                  <a:outerShdw blurRad="44450" dist="12700" dir="13860000" algn="tl" rotWithShape="0">
-                    <a:srgbClr val="000000">
-                      <a:alpha val="20000"/>
-                    </a:srgbClr>
-                  </a:outerShdw>
-                </a:effectLst>
-                <a:latin typeface="+mn-lt"/>
-                <a:ea typeface="+mn-ea"/>
-                <a:cs typeface="+mn-cs"/>
-              </a:defRPr>
-            </a:lvl3pPr>
-            <a:lvl4pPr marL="1543050" indent="-171450" algn="l" defTabSz="457200" rtl="0" eaLnBrk="1" latinLnBrk="0" hangingPunct="1">
-              <a:spcBef>
-                <a:spcPct val="20000"/>
-              </a:spcBef>
-              <a:spcAft>
-                <a:spcPts val="600"/>
-              </a:spcAft>
-              <a:buClr>
-                <a:schemeClr val="tx1"/>
-              </a:buClr>
-              <a:buSzPct val="100000"/>
-              <a:buFont typeface="Arial"/>
-              <a:buChar char="•"/>
-              <a:defRPr sz="1400" kern="1200" cap="small">
-                <a:gradFill flip="none" rotWithShape="1">
-                  <a:gsLst>
-                    <a:gs pos="0">
-                      <a:schemeClr val="tx1"/>
-                    </a:gs>
-                    <a:gs pos="100000">
-                      <a:schemeClr val="tx1">
-                        <a:lumMod val="75000"/>
-                      </a:schemeClr>
-                    </a:gs>
-                  </a:gsLst>
-                  <a:lin ang="5580000" scaled="0"/>
-                  <a:tileRect/>
-                </a:gradFill>
-                <a:effectLst>
-                  <a:glow rad="38100">
-                    <a:schemeClr val="bg1">
-                      <a:lumMod val="50000"/>
-                      <a:lumOff val="50000"/>
-                      <a:alpha val="20000"/>
-                    </a:schemeClr>
-                  </a:glow>
-                  <a:outerShdw blurRad="44450" dist="12700" dir="13860000" algn="tl" rotWithShape="0">
-                    <a:srgbClr val="000000">
-                      <a:alpha val="20000"/>
-                    </a:srgbClr>
-                  </a:outerShdw>
-                </a:effectLst>
-                <a:latin typeface="+mn-lt"/>
-                <a:ea typeface="+mn-ea"/>
-                <a:cs typeface="+mn-cs"/>
-              </a:defRPr>
-            </a:lvl4pPr>
-            <a:lvl5pPr marL="2000250" indent="-171450" algn="l" defTabSz="457200" rtl="0" eaLnBrk="1" latinLnBrk="0" hangingPunct="1">
-              <a:spcBef>
-                <a:spcPct val="20000"/>
-              </a:spcBef>
-              <a:spcAft>
-                <a:spcPts val="600"/>
-              </a:spcAft>
-              <a:buClr>
-                <a:schemeClr val="tx1"/>
-              </a:buClr>
-              <a:buSzPct val="100000"/>
-              <a:buFont typeface="Arial"/>
-              <a:buChar char="•"/>
-              <a:defRPr sz="1400" kern="1200" cap="small">
-                <a:gradFill flip="none" rotWithShape="1">
-                  <a:gsLst>
-                    <a:gs pos="0">
-                      <a:schemeClr val="tx1"/>
-                    </a:gs>
-                    <a:gs pos="100000">
-                      <a:schemeClr val="tx1">
-                        <a:lumMod val="75000"/>
-                      </a:schemeClr>
-                    </a:gs>
-                  </a:gsLst>
-                  <a:lin ang="5580000" scaled="0"/>
-                  <a:tileRect/>
-                </a:gradFill>
-                <a:effectLst>
-                  <a:glow rad="38100">
-                    <a:schemeClr val="bg1">
-                      <a:lumMod val="50000"/>
-                      <a:lumOff val="50000"/>
-                      <a:alpha val="20000"/>
-                    </a:schemeClr>
-                  </a:glow>
-                  <a:outerShdw blurRad="44450" dist="12700" dir="13860000" algn="tl" rotWithShape="0">
-                    <a:srgbClr val="000000">
-                      <a:alpha val="20000"/>
-                    </a:srgbClr>
-                  </a:outerShdw>
-                </a:effectLst>
-                <a:latin typeface="+mn-lt"/>
-                <a:ea typeface="+mn-ea"/>
-                <a:cs typeface="+mn-cs"/>
-              </a:defRPr>
-            </a:lvl5pPr>
-            <a:lvl6pPr marL="2514600" indent="-228600" algn="l" defTabSz="457200" rtl="0" eaLnBrk="1" latinLnBrk="0" hangingPunct="1">
-              <a:spcBef>
-                <a:spcPct val="20000"/>
-              </a:spcBef>
-              <a:spcAft>
-                <a:spcPts val="600"/>
-              </a:spcAft>
-              <a:buClr>
-                <a:schemeClr val="tx1"/>
-              </a:buClr>
-              <a:buSzPct val="100000"/>
-              <a:buFont typeface="Arial"/>
-              <a:buChar char="•"/>
-              <a:defRPr sz="1200" kern="1200" cap="small">
-                <a:gradFill flip="none" rotWithShape="1">
-                  <a:gsLst>
-                    <a:gs pos="0">
-                      <a:schemeClr val="tx1"/>
-                    </a:gs>
-                    <a:gs pos="100000">
-                      <a:schemeClr val="tx1">
-                        <a:lumMod val="75000"/>
-                      </a:schemeClr>
-                    </a:gs>
-                  </a:gsLst>
-                  <a:lin ang="5580000" scaled="0"/>
-                  <a:tileRect/>
-                </a:gradFill>
-                <a:effectLst>
-                  <a:glow rad="38100">
-                    <a:schemeClr val="bg1">
-                      <a:lumMod val="50000"/>
-                      <a:lumOff val="50000"/>
-                      <a:alpha val="20000"/>
-                    </a:schemeClr>
-                  </a:glow>
-                  <a:outerShdw blurRad="44450" dist="12700" dir="13860000" algn="tl" rotWithShape="0">
-                    <a:srgbClr val="000000">
-                      <a:alpha val="20000"/>
-                    </a:srgbClr>
-                  </a:outerShdw>
-                </a:effectLst>
-                <a:latin typeface="+mn-lt"/>
-                <a:ea typeface="+mn-ea"/>
-                <a:cs typeface="+mn-cs"/>
-              </a:defRPr>
-            </a:lvl6pPr>
-            <a:lvl7pPr marL="2971800" indent="-228600" algn="l" defTabSz="457200" rtl="0" eaLnBrk="1" latinLnBrk="0" hangingPunct="1">
-              <a:spcBef>
-                <a:spcPct val="20000"/>
-              </a:spcBef>
-              <a:spcAft>
-                <a:spcPts val="600"/>
-              </a:spcAft>
-              <a:buClr>
-                <a:schemeClr val="tx1"/>
-              </a:buClr>
-              <a:buSzPct val="100000"/>
-              <a:buFont typeface="Arial"/>
-              <a:buChar char="•"/>
-              <a:defRPr sz="1200" kern="1200" cap="small">
-                <a:gradFill flip="none" rotWithShape="1">
-                  <a:gsLst>
-                    <a:gs pos="0">
-                      <a:schemeClr val="tx1"/>
-                    </a:gs>
-                    <a:gs pos="100000">
-                      <a:schemeClr val="tx1">
-                        <a:lumMod val="75000"/>
-                      </a:schemeClr>
-                    </a:gs>
-                  </a:gsLst>
-                  <a:lin ang="5580000" scaled="0"/>
-                  <a:tileRect/>
-                </a:gradFill>
-                <a:effectLst>
-                  <a:glow rad="38100">
-                    <a:schemeClr val="bg1">
-                      <a:lumMod val="50000"/>
-                      <a:lumOff val="50000"/>
-                      <a:alpha val="20000"/>
-                    </a:schemeClr>
-                  </a:glow>
-                  <a:outerShdw blurRad="44450" dist="12700" dir="13860000" algn="tl" rotWithShape="0">
-                    <a:srgbClr val="000000">
-                      <a:alpha val="20000"/>
-                    </a:srgbClr>
-                  </a:outerShdw>
-                </a:effectLst>
-                <a:latin typeface="+mn-lt"/>
-                <a:ea typeface="+mn-ea"/>
-                <a:cs typeface="+mn-cs"/>
-              </a:defRPr>
-            </a:lvl7pPr>
-            <a:lvl8pPr marL="3429000" indent="-228600" algn="l" defTabSz="457200" rtl="0" eaLnBrk="1" latinLnBrk="0" hangingPunct="1">
-              <a:spcBef>
-                <a:spcPct val="20000"/>
-              </a:spcBef>
-              <a:spcAft>
-                <a:spcPts val="600"/>
-              </a:spcAft>
-              <a:buClr>
-                <a:schemeClr val="tx1"/>
-              </a:buClr>
-              <a:buSzPct val="100000"/>
-              <a:buFont typeface="Arial"/>
-              <a:buChar char="•"/>
-              <a:defRPr sz="1200" kern="1200" cap="small">
-                <a:gradFill flip="none" rotWithShape="1">
-                  <a:gsLst>
-                    <a:gs pos="0">
-                      <a:schemeClr val="tx1"/>
-                    </a:gs>
-                    <a:gs pos="100000">
-                      <a:schemeClr val="tx1">
-                        <a:lumMod val="75000"/>
-                      </a:schemeClr>
-                    </a:gs>
-                  </a:gsLst>
-                  <a:lin ang="5580000" scaled="0"/>
-                  <a:tileRect/>
-                </a:gradFill>
-                <a:effectLst>
-                  <a:glow rad="38100">
-                    <a:schemeClr val="bg1">
-                      <a:lumMod val="50000"/>
-                      <a:lumOff val="50000"/>
-                      <a:alpha val="20000"/>
-                    </a:schemeClr>
-                  </a:glow>
-                  <a:outerShdw blurRad="44450" dist="12700" dir="13860000" algn="tl" rotWithShape="0">
-                    <a:srgbClr val="000000">
-                      <a:alpha val="20000"/>
-                    </a:srgbClr>
-                  </a:outerShdw>
-                </a:effectLst>
-                <a:latin typeface="+mn-lt"/>
-                <a:ea typeface="+mn-ea"/>
-                <a:cs typeface="+mn-cs"/>
-              </a:defRPr>
-            </a:lvl8pPr>
-            <a:lvl9pPr marL="3886200" indent="-228600" algn="l" defTabSz="457200" rtl="0" eaLnBrk="1" latinLnBrk="0" hangingPunct="1">
-              <a:spcBef>
-                <a:spcPct val="20000"/>
-              </a:spcBef>
-              <a:spcAft>
-                <a:spcPts val="600"/>
-              </a:spcAft>
-              <a:buClr>
-                <a:schemeClr val="tx1"/>
-              </a:buClr>
-              <a:buSzPct val="100000"/>
-              <a:buFont typeface="Arial"/>
-              <a:buChar char="•"/>
-              <a:defRPr sz="1200" kern="1200" cap="small">
-                <a:gradFill flip="none" rotWithShape="1">
-                  <a:gsLst>
-                    <a:gs pos="0">
-                      <a:schemeClr val="tx1"/>
-                    </a:gs>
-                    <a:gs pos="100000">
-                      <a:schemeClr val="tx1">
-                        <a:lumMod val="75000"/>
-                      </a:schemeClr>
-                    </a:gs>
-                  </a:gsLst>
-                  <a:lin ang="5580000" scaled="0"/>
-                  <a:tileRect/>
-                </a:gradFill>
-                <a:effectLst>
-                  <a:glow rad="38100">
-                    <a:schemeClr val="bg1">
-                      <a:lumMod val="50000"/>
-                      <a:lumOff val="50000"/>
-                      <a:alpha val="20000"/>
-                    </a:schemeClr>
-                  </a:glow>
-                  <a:outerShdw blurRad="44450" dist="12700" dir="13860000" algn="tl" rotWithShape="0">
-                    <a:srgbClr val="000000">
-                      <a:alpha val="20000"/>
-                    </a:srgbClr>
-                  </a:outerShdw>
-                </a:effectLst>
-                <a:latin typeface="+mn-lt"/>
-                <a:ea typeface="+mn-ea"/>
-                <a:cs typeface="+mn-cs"/>
-              </a:defRPr>
-            </a:lvl9pPr>
-          </a:lstStyle>
-          <a:p>
-            <a:r>
-              <a:rPr lang="fr-FR" dirty="0"/>
-              <a:t>Manon Morille</a:t>
-            </a:r>
-          </a:p>
-          <a:p>
-            <a:pPr marL="0" indent="0">
-              <a:buFont typeface="Arial"/>
-              <a:buNone/>
-            </a:pPr>
-            <a:r>
-              <a:rPr lang="fr-FR" dirty="0"/>
-              <a:t>Développement du site web</a:t>
-            </a:r>
-          </a:p>
-          <a:p>
-            <a:pPr marL="0" indent="0">
-              <a:buFont typeface="Arial"/>
-              <a:buNone/>
-            </a:pPr>
-            <a:endParaRPr lang="fr-FR" dirty="0"/>
-          </a:p>
-          <a:p>
-            <a:r>
-              <a:rPr lang="fr-FR" dirty="0"/>
-              <a:t>Kilian </a:t>
-            </a:r>
-            <a:r>
-              <a:rPr lang="fr-FR" dirty="0" err="1"/>
-              <a:t>Labattut</a:t>
-            </a:r>
-            <a:endParaRPr lang="fr-FR" dirty="0"/>
-          </a:p>
-          <a:p>
-            <a:pPr marL="0" indent="0">
-              <a:buFont typeface="Arial"/>
-              <a:buNone/>
-            </a:pPr>
-            <a:r>
-              <a:rPr lang="fr-FR" dirty="0"/>
-              <a:t>Capteurs pour sécurité / Page d’alerte </a:t>
+              <a:t>Diagramme de Séquence</a:t>
             </a:r>
           </a:p>
         </p:txBody>
@@ -6865,10 +6084,46 @@
           </a:prstGeom>
         </p:spPr>
       </p:pic>
+      <p:pic>
+        <p:nvPicPr>
+          <p:cNvPr id="5" name="Image 4">
+            <a:extLst>
+              <a:ext uri="{FF2B5EF4-FFF2-40B4-BE49-F238E27FC236}">
+                <a16:creationId xmlns:a16="http://schemas.microsoft.com/office/drawing/2014/main" id="{BF13AF4D-5FCD-4F2A-8B2B-5EA4DA039F31}"/>
+              </a:ext>
+            </a:extLst>
+          </p:cNvPr>
+          <p:cNvPicPr>
+            <a:picLocks noChangeAspect="1"/>
+          </p:cNvPicPr>
+          <p:nvPr/>
+        </p:nvPicPr>
+        <p:blipFill>
+          <a:blip r:embed="rId3">
+            <a:extLst>
+              <a:ext uri="{28A0092B-C50C-407E-A947-70E740481C1C}">
+                <a14:useLocalDpi xmlns:a14="http://schemas.microsoft.com/office/drawing/2010/main" val="0"/>
+              </a:ext>
+            </a:extLst>
+          </a:blip>
+          <a:stretch>
+            <a:fillRect/>
+          </a:stretch>
+        </p:blipFill>
+        <p:spPr>
+          <a:xfrm>
+            <a:off x="1933738" y="1059633"/>
+            <a:ext cx="8285013" cy="5063063"/>
+          </a:xfrm>
+          <a:prstGeom prst="rect">
+            <a:avLst/>
+          </a:prstGeom>
+        </p:spPr>
+      </p:pic>
     </p:spTree>
     <p:extLst>
       <p:ext uri="{BB962C8B-B14F-4D97-AF65-F5344CB8AC3E}">
-        <p14:creationId xmlns:p14="http://schemas.microsoft.com/office/powerpoint/2010/main" val="4032526889"/>
+        <p14:creationId xmlns:p14="http://schemas.microsoft.com/office/powerpoint/2010/main" val="2723997639"/>
       </p:ext>
     </p:extLst>
   </p:cSld>
@@ -6878,7 +6133,7 @@
 </p:sld>
 </file>
 
-<file path=ppt/slides/slide4.xml><?xml version="1.0" encoding="utf-8"?>
+<file path=ppt/slides/slide11.xml><?xml version="1.0" encoding="utf-8"?>
 <p:sld xmlns:a="http://schemas.openxmlformats.org/drawingml/2006/main" xmlns:r="http://schemas.openxmlformats.org/officeDocument/2006/relationships" xmlns:p="http://schemas.openxmlformats.org/presentationml/2006/main">
   <p:cSld>
     <p:spTree>
@@ -6911,97 +6166,29 @@
             <p:ph type="title"/>
           </p:nvPr>
         </p:nvSpPr>
-        <p:spPr/>
+        <p:spPr>
+          <a:xfrm>
+            <a:off x="1123246" y="337738"/>
+            <a:ext cx="9905998" cy="721895"/>
+          </a:xfrm>
+        </p:spPr>
         <p:txBody>
           <a:bodyPr/>
           <a:lstStyle/>
           <a:p>
             <a:r>
               <a:rPr lang="fr-FR" dirty="0"/>
-              <a:t>Taches personnelles</a:t>
-            </a:r>
-          </a:p>
-        </p:txBody>
-      </p:sp>
-      <p:sp>
-        <p:nvSpPr>
-          <p:cNvPr id="3" name="Espace réservé du contenu 2">
+              <a:t>Diagramme de classe</a:t>
+            </a:r>
+          </a:p>
+        </p:txBody>
+      </p:sp>
+      <p:pic>
+        <p:nvPicPr>
+          <p:cNvPr id="6" name="Image 5">
             <a:extLst>
               <a:ext uri="{FF2B5EF4-FFF2-40B4-BE49-F238E27FC236}">
-                <a16:creationId xmlns:a16="http://schemas.microsoft.com/office/drawing/2014/main" id="{A0F461CD-3EAF-4801-A1FE-4753263CAA8E}"/>
-              </a:ext>
-            </a:extLst>
-          </p:cNvPr>
-          <p:cNvSpPr>
-            <a:spLocks noGrp="1"/>
-          </p:cNvSpPr>
-          <p:nvPr>
-            <p:ph idx="1"/>
-          </p:nvPr>
-        </p:nvSpPr>
-        <p:spPr>
-          <a:xfrm>
-            <a:off x="1141413" y="2514600"/>
-            <a:ext cx="9905998" cy="3242388"/>
-          </a:xfrm>
-        </p:spPr>
-        <p:txBody>
-          <a:bodyPr>
-            <a:normAutofit/>
-          </a:bodyPr>
-          <a:lstStyle/>
-          <a:p>
-            <a:r>
-              <a:rPr lang="fr-FR" dirty="0"/>
-              <a:t>Interface utilisateur (IHM)</a:t>
-            </a:r>
-          </a:p>
-          <a:p>
-            <a:pPr lvl="1"/>
-            <a:r>
-              <a:rPr lang="fr-FR" dirty="0"/>
-              <a:t>Utilisation directe</a:t>
-            </a:r>
-          </a:p>
-          <a:p>
-            <a:pPr lvl="1"/>
-            <a:r>
-              <a:rPr lang="fr-FR" dirty="0"/>
-              <a:t>Mode scénario</a:t>
-            </a:r>
-          </a:p>
-          <a:p>
-            <a:pPr marL="457200" lvl="1" indent="0">
-              <a:buNone/>
-            </a:pPr>
-            <a:endParaRPr lang="fr-FR" dirty="0"/>
-          </a:p>
-          <a:p>
-            <a:r>
-              <a:rPr lang="fr-FR" dirty="0"/>
-              <a:t>Connexion base de données</a:t>
-            </a:r>
-          </a:p>
-          <a:p>
-            <a:pPr marL="0" indent="0">
-              <a:buNone/>
-            </a:pPr>
-            <a:endParaRPr lang="fr-FR" dirty="0"/>
-          </a:p>
-          <a:p>
-            <a:r>
-              <a:rPr lang="fr-FR" dirty="0"/>
-              <a:t>Connexion par socket a la Raspberry</a:t>
-            </a:r>
-          </a:p>
-        </p:txBody>
-      </p:sp>
-      <p:pic>
-        <p:nvPicPr>
-          <p:cNvPr id="11" name="Image 10">
-            <a:extLst>
-              <a:ext uri="{FF2B5EF4-FFF2-40B4-BE49-F238E27FC236}">
-                <a16:creationId xmlns:a16="http://schemas.microsoft.com/office/drawing/2014/main" id="{8B910C28-E141-4676-961B-2155CC175E1D}"/>
+                <a16:creationId xmlns:a16="http://schemas.microsoft.com/office/drawing/2014/main" id="{F03CEA8B-2056-4FED-A6A0-20A9EFF96191}"/>
               </a:ext>
             </a:extLst>
           </p:cNvPr>
@@ -7034,10 +6221,10 @@
       </p:pic>
       <p:pic>
         <p:nvPicPr>
-          <p:cNvPr id="5" name="Image 4">
+          <p:cNvPr id="9" name="Image 8">
             <a:extLst>
               <a:ext uri="{FF2B5EF4-FFF2-40B4-BE49-F238E27FC236}">
-                <a16:creationId xmlns:a16="http://schemas.microsoft.com/office/drawing/2014/main" id="{A8E946F0-2981-472A-B45D-6B52CF6B3101}"/>
+                <a16:creationId xmlns:a16="http://schemas.microsoft.com/office/drawing/2014/main" id="{39339F2F-A066-49CF-90E8-516583C9509C}"/>
               </a:ext>
             </a:extLst>
           </p:cNvPr>
@@ -7060,8 +6247,8 @@
         </p:blipFill>
         <p:spPr>
           <a:xfrm>
-            <a:off x="5973413" y="1460834"/>
-            <a:ext cx="6059501" cy="4296154"/>
+            <a:off x="2000381" y="1059633"/>
+            <a:ext cx="8151727" cy="5063063"/>
           </a:xfrm>
           <a:prstGeom prst="rect">
             <a:avLst/>
@@ -7071,7 +6258,7 @@
     </p:spTree>
     <p:extLst>
       <p:ext uri="{BB962C8B-B14F-4D97-AF65-F5344CB8AC3E}">
-        <p14:creationId xmlns:p14="http://schemas.microsoft.com/office/powerpoint/2010/main" val="1537114341"/>
+        <p14:creationId xmlns:p14="http://schemas.microsoft.com/office/powerpoint/2010/main" val="4032526889"/>
       </p:ext>
     </p:extLst>
   </p:cSld>
@@ -7081,394 +6268,7 @@
 </p:sld>
 </file>
 
-<file path=ppt/slides/slide5.xml><?xml version="1.0" encoding="utf-8"?>
-<p:sld xmlns:a="http://schemas.openxmlformats.org/drawingml/2006/main" xmlns:r="http://schemas.openxmlformats.org/officeDocument/2006/relationships" xmlns:p="http://schemas.openxmlformats.org/presentationml/2006/main">
-  <p:cSld>
-    <p:spTree>
-      <p:nvGrpSpPr>
-        <p:cNvPr id="1" name=""/>
-        <p:cNvGrpSpPr/>
-        <p:nvPr/>
-      </p:nvGrpSpPr>
-      <p:grpSpPr>
-        <a:xfrm>
-          <a:off x="0" y="0"/>
-          <a:ext cx="0" cy="0"/>
-          <a:chOff x="0" y="0"/>
-          <a:chExt cx="0" cy="0"/>
-        </a:xfrm>
-      </p:grpSpPr>
-      <p:sp>
-        <p:nvSpPr>
-          <p:cNvPr id="2" name="Titre 1">
-            <a:extLst>
-              <a:ext uri="{FF2B5EF4-FFF2-40B4-BE49-F238E27FC236}">
-                <a16:creationId xmlns:a16="http://schemas.microsoft.com/office/drawing/2014/main" id="{71F52973-9E34-4B64-BFE4-2E42711F3666}"/>
-              </a:ext>
-            </a:extLst>
-          </p:cNvPr>
-          <p:cNvSpPr>
-            <a:spLocks noGrp="1"/>
-          </p:cNvSpPr>
-          <p:nvPr>
-            <p:ph type="title"/>
-          </p:nvPr>
-        </p:nvSpPr>
-        <p:spPr>
-          <a:xfrm>
-            <a:off x="1141413" y="609600"/>
-            <a:ext cx="9905998" cy="1227589"/>
-          </a:xfrm>
-        </p:spPr>
-        <p:txBody>
-          <a:bodyPr/>
-          <a:lstStyle/>
-          <a:p>
-            <a:r>
-              <a:rPr lang="fr-FR" dirty="0"/>
-              <a:t>Technologies utilisées</a:t>
-            </a:r>
-          </a:p>
-        </p:txBody>
-      </p:sp>
-      <p:pic>
-        <p:nvPicPr>
-          <p:cNvPr id="11" name="Image 10">
-            <a:extLst>
-              <a:ext uri="{FF2B5EF4-FFF2-40B4-BE49-F238E27FC236}">
-                <a16:creationId xmlns:a16="http://schemas.microsoft.com/office/drawing/2014/main" id="{8B910C28-E141-4676-961B-2155CC175E1D}"/>
-              </a:ext>
-            </a:extLst>
-          </p:cNvPr>
-          <p:cNvPicPr>
-            <a:picLocks noChangeAspect="1"/>
-          </p:cNvPicPr>
-          <p:nvPr/>
-        </p:nvPicPr>
-        <p:blipFill>
-          <a:blip r:embed="rId2">
-            <a:extLst>
-              <a:ext uri="{28A0092B-C50C-407E-A947-70E740481C1C}">
-                <a14:useLocalDpi xmlns:a14="http://schemas.microsoft.com/office/drawing/2010/main" val="0"/>
-              </a:ext>
-            </a:extLst>
-          </a:blip>
-          <a:stretch>
-            <a:fillRect/>
-          </a:stretch>
-        </p:blipFill>
-        <p:spPr>
-          <a:xfrm>
-            <a:off x="9866489" y="6122696"/>
-            <a:ext cx="2325511" cy="735304"/>
-          </a:xfrm>
-          <a:prstGeom prst="rect">
-            <a:avLst/>
-          </a:prstGeom>
-        </p:spPr>
-      </p:pic>
-      <p:pic>
-        <p:nvPicPr>
-          <p:cNvPr id="7" name="Image 6">
-            <a:extLst>
-              <a:ext uri="{FF2B5EF4-FFF2-40B4-BE49-F238E27FC236}">
-                <a16:creationId xmlns:a16="http://schemas.microsoft.com/office/drawing/2014/main" id="{C9B411FC-93BF-4A18-85B7-A5728AE1AD15}"/>
-              </a:ext>
-            </a:extLst>
-          </p:cNvPr>
-          <p:cNvPicPr>
-            <a:picLocks noChangeAspect="1"/>
-          </p:cNvPicPr>
-          <p:nvPr/>
-        </p:nvPicPr>
-        <p:blipFill>
-          <a:blip r:embed="rId3">
-            <a:extLst>
-              <a:ext uri="{28A0092B-C50C-407E-A947-70E740481C1C}">
-                <a14:useLocalDpi xmlns:a14="http://schemas.microsoft.com/office/drawing/2010/main" val="0"/>
-              </a:ext>
-            </a:extLst>
-          </a:blip>
-          <a:stretch>
-            <a:fillRect/>
-          </a:stretch>
-        </p:blipFill>
-        <p:spPr>
-          <a:xfrm>
-            <a:off x="1141413" y="1700300"/>
-            <a:ext cx="1071362" cy="1204389"/>
-          </a:xfrm>
-          <a:prstGeom prst="rect">
-            <a:avLst/>
-          </a:prstGeom>
-        </p:spPr>
-      </p:pic>
-      <p:pic>
-        <p:nvPicPr>
-          <p:cNvPr id="9" name="Image 8">
-            <a:extLst>
-              <a:ext uri="{FF2B5EF4-FFF2-40B4-BE49-F238E27FC236}">
-                <a16:creationId xmlns:a16="http://schemas.microsoft.com/office/drawing/2014/main" id="{43881D41-EFF6-4814-9782-33906E9F12E6}"/>
-              </a:ext>
-            </a:extLst>
-          </p:cNvPr>
-          <p:cNvPicPr>
-            <a:picLocks noChangeAspect="1"/>
-          </p:cNvPicPr>
-          <p:nvPr/>
-        </p:nvPicPr>
-        <p:blipFill>
-          <a:blip r:embed="rId4">
-            <a:extLst>
-              <a:ext uri="{28A0092B-C50C-407E-A947-70E740481C1C}">
-                <a14:useLocalDpi xmlns:a14="http://schemas.microsoft.com/office/drawing/2010/main" val="0"/>
-              </a:ext>
-            </a:extLst>
-          </a:blip>
-          <a:stretch>
-            <a:fillRect/>
-          </a:stretch>
-        </p:blipFill>
-        <p:spPr>
-          <a:xfrm>
-            <a:off x="3339440" y="1700299"/>
-            <a:ext cx="1204389" cy="1204389"/>
-          </a:xfrm>
-          <a:prstGeom prst="rect">
-            <a:avLst/>
-          </a:prstGeom>
-        </p:spPr>
-      </p:pic>
-      <p:sp>
-        <p:nvSpPr>
-          <p:cNvPr id="6" name="Titre 1">
-            <a:extLst>
-              <a:ext uri="{FF2B5EF4-FFF2-40B4-BE49-F238E27FC236}">
-                <a16:creationId xmlns:a16="http://schemas.microsoft.com/office/drawing/2014/main" id="{CF302A12-1E29-48F4-A983-12C58FC270EB}"/>
-              </a:ext>
-            </a:extLst>
-          </p:cNvPr>
-          <p:cNvSpPr txBox="1">
-            <a:spLocks/>
-          </p:cNvSpPr>
-          <p:nvPr/>
-        </p:nvSpPr>
-        <p:spPr>
-          <a:xfrm>
-            <a:off x="1141413" y="3287087"/>
-            <a:ext cx="9905998" cy="1042318"/>
-          </a:xfrm>
-          <a:prstGeom prst="rect">
-            <a:avLst/>
-          </a:prstGeom>
-        </p:spPr>
-        <p:txBody>
-          <a:bodyPr vert="horz" lIns="91440" tIns="45720" rIns="91440" bIns="45720" rtlCol="0" anchor="ctr">
-            <a:normAutofit/>
-          </a:bodyPr>
-          <a:lstStyle>
-            <a:lvl1pPr algn="l" defTabSz="457200" rtl="0" eaLnBrk="1" latinLnBrk="0" hangingPunct="1">
-              <a:spcBef>
-                <a:spcPct val="0"/>
-              </a:spcBef>
-              <a:buNone/>
-              <a:defRPr sz="3200" kern="1200" cap="all">
-                <a:ln w="3175" cmpd="sng">
-                  <a:noFill/>
-                </a:ln>
-                <a:gradFill flip="none" rotWithShape="1">
-                  <a:gsLst>
-                    <a:gs pos="0">
-                      <a:schemeClr val="tx1"/>
-                    </a:gs>
-                    <a:gs pos="100000">
-                      <a:schemeClr val="tx1">
-                        <a:lumMod val="65000"/>
-                      </a:schemeClr>
-                    </a:gs>
-                  </a:gsLst>
-                  <a:lin ang="5580000" scaled="0"/>
-                  <a:tileRect/>
-                </a:gradFill>
-                <a:effectLst>
-                  <a:glow rad="38100">
-                    <a:schemeClr val="bg1">
-                      <a:lumMod val="65000"/>
-                      <a:lumOff val="35000"/>
-                      <a:alpha val="40000"/>
-                    </a:schemeClr>
-                  </a:glow>
-                  <a:outerShdw blurRad="28575" dist="38100" dir="14040000" algn="tl" rotWithShape="0">
-                    <a:srgbClr val="000000">
-                      <a:alpha val="25000"/>
-                    </a:srgbClr>
-                  </a:outerShdw>
-                </a:effectLst>
-                <a:latin typeface="+mj-lt"/>
-                <a:ea typeface="+mj-ea"/>
-                <a:cs typeface="+mj-cs"/>
-              </a:defRPr>
-            </a:lvl1pPr>
-            <a:lvl2pPr eaLnBrk="1" hangingPunct="1">
-              <a:defRPr>
-                <a:solidFill>
-                  <a:schemeClr val="tx2"/>
-                </a:solidFill>
-              </a:defRPr>
-            </a:lvl2pPr>
-            <a:lvl3pPr eaLnBrk="1" hangingPunct="1">
-              <a:defRPr>
-                <a:solidFill>
-                  <a:schemeClr val="tx2"/>
-                </a:solidFill>
-              </a:defRPr>
-            </a:lvl3pPr>
-            <a:lvl4pPr eaLnBrk="1" hangingPunct="1">
-              <a:defRPr>
-                <a:solidFill>
-                  <a:schemeClr val="tx2"/>
-                </a:solidFill>
-              </a:defRPr>
-            </a:lvl4pPr>
-            <a:lvl5pPr eaLnBrk="1" hangingPunct="1">
-              <a:defRPr>
-                <a:solidFill>
-                  <a:schemeClr val="tx2"/>
-                </a:solidFill>
-              </a:defRPr>
-            </a:lvl5pPr>
-            <a:lvl6pPr eaLnBrk="1" hangingPunct="1">
-              <a:defRPr>
-                <a:solidFill>
-                  <a:schemeClr val="tx2"/>
-                </a:solidFill>
-              </a:defRPr>
-            </a:lvl6pPr>
-            <a:lvl7pPr eaLnBrk="1" hangingPunct="1">
-              <a:defRPr>
-                <a:solidFill>
-                  <a:schemeClr val="tx2"/>
-                </a:solidFill>
-              </a:defRPr>
-            </a:lvl7pPr>
-            <a:lvl8pPr eaLnBrk="1" hangingPunct="1">
-              <a:defRPr>
-                <a:solidFill>
-                  <a:schemeClr val="tx2"/>
-                </a:solidFill>
-              </a:defRPr>
-            </a:lvl8pPr>
-            <a:lvl9pPr eaLnBrk="1" hangingPunct="1">
-              <a:defRPr>
-                <a:solidFill>
-                  <a:schemeClr val="tx2"/>
-                </a:solidFill>
-              </a:defRPr>
-            </a:lvl9pPr>
-          </a:lstStyle>
-          <a:p>
-            <a:r>
-              <a:rPr lang="fr-FR" dirty="0"/>
-              <a:t>Logiciels utilisés</a:t>
-            </a:r>
-          </a:p>
-        </p:txBody>
-      </p:sp>
-      <p:pic>
-        <p:nvPicPr>
-          <p:cNvPr id="4" name="Image 3">
-            <a:extLst>
-              <a:ext uri="{FF2B5EF4-FFF2-40B4-BE49-F238E27FC236}">
-                <a16:creationId xmlns:a16="http://schemas.microsoft.com/office/drawing/2014/main" id="{910B640C-8B9C-41FD-BF02-9E45A47DF6F9}"/>
-              </a:ext>
-            </a:extLst>
-          </p:cNvPr>
-          <p:cNvPicPr>
-            <a:picLocks noChangeAspect="1"/>
-          </p:cNvPicPr>
-          <p:nvPr/>
-        </p:nvPicPr>
-        <p:blipFill>
-          <a:blip r:embed="rId5">
-            <a:extLst>
-              <a:ext uri="{28A0092B-C50C-407E-A947-70E740481C1C}">
-                <a14:useLocalDpi xmlns:a14="http://schemas.microsoft.com/office/drawing/2010/main" val="0"/>
-              </a:ext>
-            </a:extLst>
-          </a:blip>
-          <a:stretch>
-            <a:fillRect/>
-          </a:stretch>
-        </p:blipFill>
-        <p:spPr>
-          <a:xfrm>
-            <a:off x="1141413" y="4329405"/>
-            <a:ext cx="1638625" cy="1204389"/>
-          </a:xfrm>
-          <a:prstGeom prst="rect">
-            <a:avLst/>
-          </a:prstGeom>
-        </p:spPr>
-      </p:pic>
-      <p:pic>
-        <p:nvPicPr>
-          <p:cNvPr id="8" name="Image 7">
-            <a:extLst>
-              <a:ext uri="{FF2B5EF4-FFF2-40B4-BE49-F238E27FC236}">
-                <a16:creationId xmlns:a16="http://schemas.microsoft.com/office/drawing/2014/main" id="{36699278-F04A-4CAD-887B-720BC7E7F89B}"/>
-              </a:ext>
-            </a:extLst>
-          </p:cNvPr>
-          <p:cNvPicPr>
-            <a:picLocks noChangeAspect="1"/>
-          </p:cNvPicPr>
-          <p:nvPr/>
-        </p:nvPicPr>
-        <p:blipFill>
-          <a:blip r:embed="rId6">
-            <a:extLst>
-              <a:ext uri="{BEBA8EAE-BF5A-486C-A8C5-ECC9F3942E4B}">
-                <a14:imgProps xmlns:a14="http://schemas.microsoft.com/office/drawing/2010/main">
-                  <a14:imgLayer r:embed="rId7">
-                    <a14:imgEffect>
-                      <a14:artisticPhotocopy/>
-                    </a14:imgEffect>
-                  </a14:imgLayer>
-                </a14:imgProps>
-              </a:ext>
-              <a:ext uri="{28A0092B-C50C-407E-A947-70E740481C1C}">
-                <a14:useLocalDpi xmlns:a14="http://schemas.microsoft.com/office/drawing/2010/main" val="0"/>
-              </a:ext>
-            </a:extLst>
-          </a:blip>
-          <a:stretch>
-            <a:fillRect/>
-          </a:stretch>
-        </p:blipFill>
-        <p:spPr>
-          <a:xfrm>
-            <a:off x="3201742" y="4207885"/>
-            <a:ext cx="3904929" cy="1447427"/>
-          </a:xfrm>
-          <a:prstGeom prst="rect">
-            <a:avLst/>
-          </a:prstGeom>
-        </p:spPr>
-      </p:pic>
-    </p:spTree>
-    <p:extLst>
-      <p:ext uri="{BB962C8B-B14F-4D97-AF65-F5344CB8AC3E}">
-        <p14:creationId xmlns:p14="http://schemas.microsoft.com/office/powerpoint/2010/main" val="3592274855"/>
-      </p:ext>
-    </p:extLst>
-  </p:cSld>
-  <p:clrMapOvr>
-    <a:masterClrMapping/>
-  </p:clrMapOvr>
-</p:sld>
-</file>
-
-<file path=ppt/slides/slide6.xml><?xml version="1.0" encoding="utf-8"?>
+<file path=ppt/slides/slide12.xml><?xml version="1.0" encoding="utf-8"?>
 <p:sld xmlns:a="http://schemas.openxmlformats.org/drawingml/2006/main" xmlns:r="http://schemas.openxmlformats.org/officeDocument/2006/relationships" xmlns:p="http://schemas.openxmlformats.org/presentationml/2006/main">
   <p:cSld>
     <p:spTree>
@@ -7589,6 +6389,1784 @@
     <p:extLst>
       <p:ext uri="{BB962C8B-B14F-4D97-AF65-F5344CB8AC3E}">
         <p14:creationId xmlns:p14="http://schemas.microsoft.com/office/powerpoint/2010/main" val="2003395723"/>
+      </p:ext>
+    </p:extLst>
+  </p:cSld>
+  <p:clrMapOvr>
+    <a:masterClrMapping/>
+  </p:clrMapOvr>
+</p:sld>
+</file>
+
+<file path=ppt/slides/slide2.xml><?xml version="1.0" encoding="utf-8"?>
+<p:sld xmlns:a="http://schemas.openxmlformats.org/drawingml/2006/main" xmlns:r="http://schemas.openxmlformats.org/officeDocument/2006/relationships" xmlns:p="http://schemas.openxmlformats.org/presentationml/2006/main">
+  <p:cSld>
+    <p:spTree>
+      <p:nvGrpSpPr>
+        <p:cNvPr id="1" name=""/>
+        <p:cNvGrpSpPr/>
+        <p:nvPr/>
+      </p:nvGrpSpPr>
+      <p:grpSpPr>
+        <a:xfrm>
+          <a:off x="0" y="0"/>
+          <a:ext cx="0" cy="0"/>
+          <a:chOff x="0" y="0"/>
+          <a:chExt cx="0" cy="0"/>
+        </a:xfrm>
+      </p:grpSpPr>
+      <p:sp>
+        <p:nvSpPr>
+          <p:cNvPr id="2" name="Titre 1">
+            <a:extLst>
+              <a:ext uri="{FF2B5EF4-FFF2-40B4-BE49-F238E27FC236}">
+                <a16:creationId xmlns:a16="http://schemas.microsoft.com/office/drawing/2014/main" id="{71F52973-9E34-4B64-BFE4-2E42711F3666}"/>
+              </a:ext>
+            </a:extLst>
+          </p:cNvPr>
+          <p:cNvSpPr>
+            <a:spLocks noGrp="1"/>
+          </p:cNvSpPr>
+          <p:nvPr>
+            <p:ph type="title"/>
+          </p:nvPr>
+        </p:nvSpPr>
+        <p:spPr>
+          <a:xfrm>
+            <a:off x="1123246" y="337738"/>
+            <a:ext cx="9905998" cy="721895"/>
+          </a:xfrm>
+        </p:spPr>
+        <p:txBody>
+          <a:bodyPr/>
+          <a:lstStyle/>
+          <a:p>
+            <a:r>
+              <a:rPr lang="fr-FR" dirty="0"/>
+              <a:t>Choix des logiciels</a:t>
+            </a:r>
+          </a:p>
+        </p:txBody>
+      </p:sp>
+      <p:pic>
+        <p:nvPicPr>
+          <p:cNvPr id="6" name="Image 5">
+            <a:extLst>
+              <a:ext uri="{FF2B5EF4-FFF2-40B4-BE49-F238E27FC236}">
+                <a16:creationId xmlns:a16="http://schemas.microsoft.com/office/drawing/2014/main" id="{F03CEA8B-2056-4FED-A6A0-20A9EFF96191}"/>
+              </a:ext>
+            </a:extLst>
+          </p:cNvPr>
+          <p:cNvPicPr>
+            <a:picLocks noChangeAspect="1"/>
+          </p:cNvPicPr>
+          <p:nvPr/>
+        </p:nvPicPr>
+        <p:blipFill>
+          <a:blip r:embed="rId2">
+            <a:extLst>
+              <a:ext uri="{28A0092B-C50C-407E-A947-70E740481C1C}">
+                <a14:useLocalDpi xmlns:a14="http://schemas.microsoft.com/office/drawing/2010/main" val="0"/>
+              </a:ext>
+            </a:extLst>
+          </a:blip>
+          <a:stretch>
+            <a:fillRect/>
+          </a:stretch>
+        </p:blipFill>
+        <p:spPr>
+          <a:xfrm>
+            <a:off x="9866489" y="6122696"/>
+            <a:ext cx="2325511" cy="735304"/>
+          </a:xfrm>
+          <a:prstGeom prst="rect">
+            <a:avLst/>
+          </a:prstGeom>
+        </p:spPr>
+      </p:pic>
+      <p:pic>
+        <p:nvPicPr>
+          <p:cNvPr id="9" name="Image 8">
+            <a:extLst>
+              <a:ext uri="{FF2B5EF4-FFF2-40B4-BE49-F238E27FC236}">
+                <a16:creationId xmlns:a16="http://schemas.microsoft.com/office/drawing/2014/main" id="{9D74BB7F-732C-40EB-9CEB-E7A68455A85F}"/>
+              </a:ext>
+            </a:extLst>
+          </p:cNvPr>
+          <p:cNvPicPr>
+            <a:picLocks noChangeAspect="1"/>
+          </p:cNvPicPr>
+          <p:nvPr/>
+        </p:nvPicPr>
+        <p:blipFill>
+          <a:blip r:embed="rId3">
+            <a:extLst>
+              <a:ext uri="{28A0092B-C50C-407E-A947-70E740481C1C}">
+                <a14:useLocalDpi xmlns:a14="http://schemas.microsoft.com/office/drawing/2010/main" val="0"/>
+              </a:ext>
+            </a:extLst>
+          </a:blip>
+          <a:stretch>
+            <a:fillRect/>
+          </a:stretch>
+        </p:blipFill>
+        <p:spPr>
+          <a:xfrm>
+            <a:off x="10488085" y="3220140"/>
+            <a:ext cx="769054" cy="769054"/>
+          </a:xfrm>
+          <a:prstGeom prst="rect">
+            <a:avLst/>
+          </a:prstGeom>
+        </p:spPr>
+      </p:pic>
+      <p:pic>
+        <p:nvPicPr>
+          <p:cNvPr id="11" name="Image 10">
+            <a:extLst>
+              <a:ext uri="{FF2B5EF4-FFF2-40B4-BE49-F238E27FC236}">
+                <a16:creationId xmlns:a16="http://schemas.microsoft.com/office/drawing/2014/main" id="{1EF252F6-F395-4007-988C-C7956B1F6B40}"/>
+              </a:ext>
+            </a:extLst>
+          </p:cNvPr>
+          <p:cNvPicPr>
+            <a:picLocks noChangeAspect="1"/>
+          </p:cNvPicPr>
+          <p:nvPr/>
+        </p:nvPicPr>
+        <p:blipFill>
+          <a:blip r:embed="rId4">
+            <a:extLst>
+              <a:ext uri="{28A0092B-C50C-407E-A947-70E740481C1C}">
+                <a14:useLocalDpi xmlns:a14="http://schemas.microsoft.com/office/drawing/2010/main" val="0"/>
+              </a:ext>
+            </a:extLst>
+          </a:blip>
+          <a:stretch>
+            <a:fillRect/>
+          </a:stretch>
+        </p:blipFill>
+        <p:spPr>
+          <a:xfrm>
+            <a:off x="10488084" y="2142258"/>
+            <a:ext cx="769055" cy="769055"/>
+          </a:xfrm>
+          <a:prstGeom prst="rect">
+            <a:avLst/>
+          </a:prstGeom>
+        </p:spPr>
+      </p:pic>
+      <p:sp>
+        <p:nvSpPr>
+          <p:cNvPr id="16" name="ZoneTexte 15">
+            <a:extLst>
+              <a:ext uri="{FF2B5EF4-FFF2-40B4-BE49-F238E27FC236}">
+                <a16:creationId xmlns:a16="http://schemas.microsoft.com/office/drawing/2014/main" id="{D74A2261-BD03-431D-9E03-6277697E2226}"/>
+              </a:ext>
+            </a:extLst>
+          </p:cNvPr>
+          <p:cNvSpPr txBox="1"/>
+          <p:nvPr/>
+        </p:nvSpPr>
+        <p:spPr>
+          <a:xfrm>
+            <a:off x="8348839" y="1378084"/>
+            <a:ext cx="3035300" cy="461665"/>
+          </a:xfrm>
+          <a:prstGeom prst="rect">
+            <a:avLst/>
+          </a:prstGeom>
+          <a:noFill/>
+        </p:spPr>
+        <p:txBody>
+          <a:bodyPr wrap="square" rtlCol="0">
+            <a:spAutoFit/>
+          </a:bodyPr>
+          <a:lstStyle/>
+          <a:p>
+            <a:r>
+              <a:rPr lang="fr-FR" sz="2400" dirty="0"/>
+              <a:t>Logiciels personnel</a:t>
+            </a:r>
+            <a:endParaRPr lang="fr-FR" dirty="0"/>
+          </a:p>
+        </p:txBody>
+      </p:sp>
+      <p:sp>
+        <p:nvSpPr>
+          <p:cNvPr id="17" name="ZoneTexte 16">
+            <a:extLst>
+              <a:ext uri="{FF2B5EF4-FFF2-40B4-BE49-F238E27FC236}">
+                <a16:creationId xmlns:a16="http://schemas.microsoft.com/office/drawing/2014/main" id="{5214239C-5F3C-495D-95D7-19587A44E5D5}"/>
+              </a:ext>
+            </a:extLst>
+          </p:cNvPr>
+          <p:cNvSpPr txBox="1"/>
+          <p:nvPr/>
+        </p:nvSpPr>
+        <p:spPr>
+          <a:xfrm>
+            <a:off x="1123246" y="1362142"/>
+            <a:ext cx="3200398" cy="461665"/>
+          </a:xfrm>
+          <a:prstGeom prst="rect">
+            <a:avLst/>
+          </a:prstGeom>
+          <a:noFill/>
+        </p:spPr>
+        <p:txBody>
+          <a:bodyPr wrap="square" rtlCol="0">
+            <a:spAutoFit/>
+          </a:bodyPr>
+          <a:lstStyle/>
+          <a:p>
+            <a:r>
+              <a:rPr lang="fr-FR" sz="2400" dirty="0"/>
+              <a:t>Logiciels commun</a:t>
+            </a:r>
+            <a:endParaRPr lang="fr-FR" dirty="0"/>
+          </a:p>
+        </p:txBody>
+      </p:sp>
+      <p:pic>
+        <p:nvPicPr>
+          <p:cNvPr id="21" name="Image 20">
+            <a:extLst>
+              <a:ext uri="{FF2B5EF4-FFF2-40B4-BE49-F238E27FC236}">
+                <a16:creationId xmlns:a16="http://schemas.microsoft.com/office/drawing/2014/main" id="{C2E0086A-DA38-4A48-A129-087C08380190}"/>
+              </a:ext>
+            </a:extLst>
+          </p:cNvPr>
+          <p:cNvPicPr>
+            <a:picLocks noChangeAspect="1"/>
+          </p:cNvPicPr>
+          <p:nvPr/>
+        </p:nvPicPr>
+        <p:blipFill>
+          <a:blip r:embed="rId5">
+            <a:extLst>
+              <a:ext uri="{28A0092B-C50C-407E-A947-70E740481C1C}">
+                <a14:useLocalDpi xmlns:a14="http://schemas.microsoft.com/office/drawing/2010/main" val="0"/>
+              </a:ext>
+            </a:extLst>
+          </a:blip>
+          <a:stretch>
+            <a:fillRect/>
+          </a:stretch>
+        </p:blipFill>
+        <p:spPr>
+          <a:xfrm>
+            <a:off x="1123246" y="2126316"/>
+            <a:ext cx="726706" cy="726706"/>
+          </a:xfrm>
+          <a:prstGeom prst="rect">
+            <a:avLst/>
+          </a:prstGeom>
+        </p:spPr>
+      </p:pic>
+      <p:pic>
+        <p:nvPicPr>
+          <p:cNvPr id="23" name="Image 22">
+            <a:extLst>
+              <a:ext uri="{FF2B5EF4-FFF2-40B4-BE49-F238E27FC236}">
+                <a16:creationId xmlns:a16="http://schemas.microsoft.com/office/drawing/2014/main" id="{57A68090-EF57-4445-A7E2-0CE24155ED02}"/>
+              </a:ext>
+            </a:extLst>
+          </p:cNvPr>
+          <p:cNvPicPr>
+            <a:picLocks noChangeAspect="1"/>
+          </p:cNvPicPr>
+          <p:nvPr/>
+        </p:nvPicPr>
+        <p:blipFill>
+          <a:blip r:embed="rId6">
+            <a:extLst>
+              <a:ext uri="{28A0092B-C50C-407E-A947-70E740481C1C}">
+                <a14:useLocalDpi xmlns:a14="http://schemas.microsoft.com/office/drawing/2010/main" val="0"/>
+              </a:ext>
+            </a:extLst>
+          </a:blip>
+          <a:stretch>
+            <a:fillRect/>
+          </a:stretch>
+        </p:blipFill>
+        <p:spPr>
+          <a:xfrm>
+            <a:off x="1080897" y="4225246"/>
+            <a:ext cx="769055" cy="769055"/>
+          </a:xfrm>
+          <a:prstGeom prst="rect">
+            <a:avLst/>
+          </a:prstGeom>
+        </p:spPr>
+      </p:pic>
+      <p:pic>
+        <p:nvPicPr>
+          <p:cNvPr id="25" name="Image 24">
+            <a:extLst>
+              <a:ext uri="{FF2B5EF4-FFF2-40B4-BE49-F238E27FC236}">
+                <a16:creationId xmlns:a16="http://schemas.microsoft.com/office/drawing/2014/main" id="{9583620D-8D94-46AB-9FA1-13CD7C9C8A91}"/>
+              </a:ext>
+            </a:extLst>
+          </p:cNvPr>
+          <p:cNvPicPr>
+            <a:picLocks noChangeAspect="1"/>
+          </p:cNvPicPr>
+          <p:nvPr/>
+        </p:nvPicPr>
+        <p:blipFill>
+          <a:blip r:embed="rId7">
+            <a:extLst>
+              <a:ext uri="{28A0092B-C50C-407E-A947-70E740481C1C}">
+                <a14:useLocalDpi xmlns:a14="http://schemas.microsoft.com/office/drawing/2010/main" val="0"/>
+              </a:ext>
+            </a:extLst>
+          </a:blip>
+          <a:stretch>
+            <a:fillRect/>
+          </a:stretch>
+        </p:blipFill>
+        <p:spPr>
+          <a:xfrm>
+            <a:off x="1123246" y="3155531"/>
+            <a:ext cx="769055" cy="769055"/>
+          </a:xfrm>
+          <a:prstGeom prst="rect">
+            <a:avLst/>
+          </a:prstGeom>
+        </p:spPr>
+      </p:pic>
+      <p:sp>
+        <p:nvSpPr>
+          <p:cNvPr id="26" name="ZoneTexte 25">
+            <a:extLst>
+              <a:ext uri="{FF2B5EF4-FFF2-40B4-BE49-F238E27FC236}">
+                <a16:creationId xmlns:a16="http://schemas.microsoft.com/office/drawing/2014/main" id="{F44633D9-812B-49FF-AABD-D75716DB175D}"/>
+              </a:ext>
+            </a:extLst>
+          </p:cNvPr>
+          <p:cNvSpPr txBox="1"/>
+          <p:nvPr/>
+        </p:nvSpPr>
+        <p:spPr>
+          <a:xfrm>
+            <a:off x="2002352" y="2305003"/>
+            <a:ext cx="2279791" cy="646331"/>
+          </a:xfrm>
+          <a:prstGeom prst="rect">
+            <a:avLst/>
+          </a:prstGeom>
+          <a:noFill/>
+        </p:spPr>
+        <p:txBody>
+          <a:bodyPr wrap="none" rtlCol="0">
+            <a:spAutoFit/>
+          </a:bodyPr>
+          <a:lstStyle/>
+          <a:p>
+            <a:r>
+              <a:rPr lang="fr-FR" dirty="0"/>
+              <a:t>GitHub : Mise en</a:t>
+            </a:r>
+          </a:p>
+          <a:p>
+            <a:r>
+              <a:rPr lang="fr-FR" dirty="0"/>
+              <a:t>commun du projet</a:t>
+            </a:r>
+          </a:p>
+        </p:txBody>
+      </p:sp>
+      <p:sp>
+        <p:nvSpPr>
+          <p:cNvPr id="29" name="ZoneTexte 28">
+            <a:extLst>
+              <a:ext uri="{FF2B5EF4-FFF2-40B4-BE49-F238E27FC236}">
+                <a16:creationId xmlns:a16="http://schemas.microsoft.com/office/drawing/2014/main" id="{32D94C91-E7E4-448E-BE72-7831992CD840}"/>
+              </a:ext>
+            </a:extLst>
+          </p:cNvPr>
+          <p:cNvSpPr txBox="1"/>
+          <p:nvPr/>
+        </p:nvSpPr>
+        <p:spPr>
+          <a:xfrm>
+            <a:off x="2025196" y="5360290"/>
+            <a:ext cx="3158237" cy="646331"/>
+          </a:xfrm>
+          <a:prstGeom prst="rect">
+            <a:avLst/>
+          </a:prstGeom>
+          <a:noFill/>
+        </p:spPr>
+        <p:txBody>
+          <a:bodyPr wrap="none" rtlCol="0">
+            <a:spAutoFit/>
+          </a:bodyPr>
+          <a:lstStyle/>
+          <a:p>
+            <a:r>
+              <a:rPr lang="fr-FR" dirty="0" err="1"/>
+              <a:t>MagicDraw</a:t>
+            </a:r>
+            <a:r>
+              <a:rPr lang="fr-FR" dirty="0"/>
+              <a:t> : Création</a:t>
+            </a:r>
+          </a:p>
+          <a:p>
+            <a:r>
+              <a:rPr lang="fr-FR" dirty="0"/>
+              <a:t>des différents diagrammes</a:t>
+            </a:r>
+          </a:p>
+        </p:txBody>
+      </p:sp>
+      <p:sp>
+        <p:nvSpPr>
+          <p:cNvPr id="30" name="ZoneTexte 29">
+            <a:extLst>
+              <a:ext uri="{FF2B5EF4-FFF2-40B4-BE49-F238E27FC236}">
+                <a16:creationId xmlns:a16="http://schemas.microsoft.com/office/drawing/2014/main" id="{44B7A72E-611F-4059-8C6F-62BFCA4CD9C0}"/>
+              </a:ext>
+            </a:extLst>
+          </p:cNvPr>
+          <p:cNvSpPr txBox="1"/>
+          <p:nvPr/>
+        </p:nvSpPr>
+        <p:spPr>
+          <a:xfrm>
+            <a:off x="6916158" y="2206779"/>
+            <a:ext cx="3419526" cy="646331"/>
+          </a:xfrm>
+          <a:prstGeom prst="rect">
+            <a:avLst/>
+          </a:prstGeom>
+          <a:noFill/>
+        </p:spPr>
+        <p:txBody>
+          <a:bodyPr wrap="none" rtlCol="0">
+            <a:spAutoFit/>
+          </a:bodyPr>
+          <a:lstStyle/>
+          <a:p>
+            <a:pPr algn="r"/>
+            <a:r>
+              <a:rPr lang="fr-FR" dirty="0"/>
+              <a:t>Qt Creator : Développement</a:t>
+            </a:r>
+          </a:p>
+          <a:p>
+            <a:pPr algn="r"/>
+            <a:r>
+              <a:rPr lang="fr-FR" dirty="0"/>
+              <a:t>de l’application</a:t>
+            </a:r>
+          </a:p>
+        </p:txBody>
+      </p:sp>
+      <p:sp>
+        <p:nvSpPr>
+          <p:cNvPr id="31" name="ZoneTexte 30">
+            <a:extLst>
+              <a:ext uri="{FF2B5EF4-FFF2-40B4-BE49-F238E27FC236}">
+                <a16:creationId xmlns:a16="http://schemas.microsoft.com/office/drawing/2014/main" id="{A7C0F26C-ABC9-481C-99C0-B1FC16E5FA71}"/>
+              </a:ext>
+            </a:extLst>
+          </p:cNvPr>
+          <p:cNvSpPr txBox="1"/>
+          <p:nvPr/>
+        </p:nvSpPr>
+        <p:spPr>
+          <a:xfrm>
+            <a:off x="2025196" y="3216892"/>
+            <a:ext cx="2440092" cy="646331"/>
+          </a:xfrm>
+          <a:prstGeom prst="rect">
+            <a:avLst/>
+          </a:prstGeom>
+          <a:noFill/>
+        </p:spPr>
+        <p:txBody>
+          <a:bodyPr wrap="none" rtlCol="0">
+            <a:spAutoFit/>
+          </a:bodyPr>
+          <a:lstStyle/>
+          <a:p>
+            <a:r>
+              <a:rPr lang="fr-FR" dirty="0" err="1"/>
+              <a:t>MsProjetc</a:t>
+            </a:r>
+            <a:r>
+              <a:rPr lang="fr-FR" dirty="0"/>
+              <a:t> : Création</a:t>
+            </a:r>
+          </a:p>
+          <a:p>
+            <a:r>
+              <a:rPr lang="fr-FR" dirty="0"/>
+              <a:t>du </a:t>
+            </a:r>
+            <a:r>
+              <a:rPr lang="fr-FR" dirty="0" err="1"/>
+              <a:t>gantt</a:t>
+            </a:r>
+            <a:endParaRPr lang="fr-FR" dirty="0"/>
+          </a:p>
+        </p:txBody>
+      </p:sp>
+      <p:pic>
+        <p:nvPicPr>
+          <p:cNvPr id="33" name="Image 32">
+            <a:extLst>
+              <a:ext uri="{FF2B5EF4-FFF2-40B4-BE49-F238E27FC236}">
+                <a16:creationId xmlns:a16="http://schemas.microsoft.com/office/drawing/2014/main" id="{93E02435-A718-4D1C-9616-778AB65AAE93}"/>
+              </a:ext>
+            </a:extLst>
+          </p:cNvPr>
+          <p:cNvPicPr>
+            <a:picLocks noChangeAspect="1"/>
+          </p:cNvPicPr>
+          <p:nvPr/>
+        </p:nvPicPr>
+        <p:blipFill>
+          <a:blip r:embed="rId8">
+            <a:extLst>
+              <a:ext uri="{28A0092B-C50C-407E-A947-70E740481C1C}">
+                <a14:useLocalDpi xmlns:a14="http://schemas.microsoft.com/office/drawing/2010/main" val="0"/>
+              </a:ext>
+            </a:extLst>
+          </a:blip>
+          <a:stretch>
+            <a:fillRect/>
+          </a:stretch>
+        </p:blipFill>
+        <p:spPr>
+          <a:xfrm>
+            <a:off x="1076928" y="5294961"/>
+            <a:ext cx="776991" cy="776991"/>
+          </a:xfrm>
+          <a:prstGeom prst="rect">
+            <a:avLst/>
+          </a:prstGeom>
+        </p:spPr>
+      </p:pic>
+      <p:sp>
+        <p:nvSpPr>
+          <p:cNvPr id="34" name="ZoneTexte 33">
+            <a:extLst>
+              <a:ext uri="{FF2B5EF4-FFF2-40B4-BE49-F238E27FC236}">
+                <a16:creationId xmlns:a16="http://schemas.microsoft.com/office/drawing/2014/main" id="{63337C7E-8EC7-48AC-855F-38BE8C5E0106}"/>
+              </a:ext>
+            </a:extLst>
+          </p:cNvPr>
+          <p:cNvSpPr txBox="1"/>
+          <p:nvPr/>
+        </p:nvSpPr>
+        <p:spPr>
+          <a:xfrm>
+            <a:off x="2025196" y="4286607"/>
+            <a:ext cx="1494320" cy="646331"/>
+          </a:xfrm>
+          <a:prstGeom prst="rect">
+            <a:avLst/>
+          </a:prstGeom>
+          <a:noFill/>
+        </p:spPr>
+        <p:txBody>
+          <a:bodyPr wrap="none" rtlCol="0">
+            <a:spAutoFit/>
+          </a:bodyPr>
+          <a:lstStyle/>
+          <a:p>
+            <a:r>
+              <a:rPr lang="fr-FR" dirty="0"/>
+              <a:t>Trello : Suivit</a:t>
+            </a:r>
+          </a:p>
+          <a:p>
+            <a:r>
+              <a:rPr lang="fr-FR" dirty="0"/>
+              <a:t>des taches</a:t>
+            </a:r>
+          </a:p>
+        </p:txBody>
+      </p:sp>
+      <p:sp>
+        <p:nvSpPr>
+          <p:cNvPr id="36" name="ZoneTexte 35">
+            <a:extLst>
+              <a:ext uri="{FF2B5EF4-FFF2-40B4-BE49-F238E27FC236}">
+                <a16:creationId xmlns:a16="http://schemas.microsoft.com/office/drawing/2014/main" id="{D403CA5B-F6C7-4AD7-8755-4C622BFCDCF5}"/>
+              </a:ext>
+            </a:extLst>
+          </p:cNvPr>
+          <p:cNvSpPr txBox="1"/>
+          <p:nvPr/>
+        </p:nvSpPr>
+        <p:spPr>
+          <a:xfrm>
+            <a:off x="7162502" y="3281501"/>
+            <a:ext cx="3153427" cy="646331"/>
+          </a:xfrm>
+          <a:prstGeom prst="rect">
+            <a:avLst/>
+          </a:prstGeom>
+          <a:noFill/>
+        </p:spPr>
+        <p:txBody>
+          <a:bodyPr wrap="none" rtlCol="0">
+            <a:spAutoFit/>
+          </a:bodyPr>
+          <a:lstStyle/>
+          <a:p>
+            <a:pPr algn="r"/>
+            <a:r>
+              <a:rPr lang="fr-FR" dirty="0"/>
+              <a:t>Visual Studio : Création du</a:t>
+            </a:r>
+          </a:p>
+          <a:p>
+            <a:pPr algn="r"/>
+            <a:r>
+              <a:rPr lang="fr-FR" dirty="0"/>
+              <a:t>prototype de l’application</a:t>
+            </a:r>
+          </a:p>
+        </p:txBody>
+      </p:sp>
+    </p:spTree>
+    <p:extLst>
+      <p:ext uri="{BB962C8B-B14F-4D97-AF65-F5344CB8AC3E}">
+        <p14:creationId xmlns:p14="http://schemas.microsoft.com/office/powerpoint/2010/main" val="3438852525"/>
+      </p:ext>
+    </p:extLst>
+  </p:cSld>
+  <p:clrMapOvr>
+    <a:masterClrMapping/>
+  </p:clrMapOvr>
+</p:sld>
+</file>
+
+<file path=ppt/slides/slide3.xml><?xml version="1.0" encoding="utf-8"?>
+<p:sld xmlns:a="http://schemas.openxmlformats.org/drawingml/2006/main" xmlns:r="http://schemas.openxmlformats.org/officeDocument/2006/relationships" xmlns:p="http://schemas.openxmlformats.org/presentationml/2006/main">
+  <p:cSld>
+    <p:spTree>
+      <p:nvGrpSpPr>
+        <p:cNvPr id="1" name=""/>
+        <p:cNvGrpSpPr/>
+        <p:nvPr/>
+      </p:nvGrpSpPr>
+      <p:grpSpPr>
+        <a:xfrm>
+          <a:off x="0" y="0"/>
+          <a:ext cx="0" cy="0"/>
+          <a:chOff x="0" y="0"/>
+          <a:chExt cx="0" cy="0"/>
+        </a:xfrm>
+      </p:grpSpPr>
+      <p:sp>
+        <p:nvSpPr>
+          <p:cNvPr id="2" name="Titre 1">
+            <a:extLst>
+              <a:ext uri="{FF2B5EF4-FFF2-40B4-BE49-F238E27FC236}">
+                <a16:creationId xmlns:a16="http://schemas.microsoft.com/office/drawing/2014/main" id="{98C08574-A24D-43A7-8128-4E99DCE46F1C}"/>
+              </a:ext>
+            </a:extLst>
+          </p:cNvPr>
+          <p:cNvSpPr>
+            <a:spLocks noGrp="1"/>
+          </p:cNvSpPr>
+          <p:nvPr>
+            <p:ph type="title"/>
+          </p:nvPr>
+        </p:nvSpPr>
+        <p:spPr>
+          <a:xfrm>
+            <a:off x="1123246" y="417095"/>
+            <a:ext cx="9905998" cy="678315"/>
+          </a:xfrm>
+        </p:spPr>
+        <p:txBody>
+          <a:bodyPr>
+            <a:normAutofit/>
+          </a:bodyPr>
+          <a:lstStyle/>
+          <a:p>
+            <a:r>
+              <a:rPr lang="fr-FR" dirty="0"/>
+              <a:t>Planning des taches</a:t>
+            </a:r>
+          </a:p>
+        </p:txBody>
+      </p:sp>
+      <p:pic>
+        <p:nvPicPr>
+          <p:cNvPr id="6" name="Image 5">
+            <a:extLst>
+              <a:ext uri="{FF2B5EF4-FFF2-40B4-BE49-F238E27FC236}">
+                <a16:creationId xmlns:a16="http://schemas.microsoft.com/office/drawing/2014/main" id="{BD23566E-974C-4903-9CA9-A71684C878CE}"/>
+              </a:ext>
+            </a:extLst>
+          </p:cNvPr>
+          <p:cNvPicPr>
+            <a:picLocks noChangeAspect="1"/>
+          </p:cNvPicPr>
+          <p:nvPr/>
+        </p:nvPicPr>
+        <p:blipFill>
+          <a:blip r:embed="rId2">
+            <a:extLst>
+              <a:ext uri="{28A0092B-C50C-407E-A947-70E740481C1C}">
+                <a14:useLocalDpi xmlns:a14="http://schemas.microsoft.com/office/drawing/2010/main" val="0"/>
+              </a:ext>
+            </a:extLst>
+          </a:blip>
+          <a:stretch>
+            <a:fillRect/>
+          </a:stretch>
+        </p:blipFill>
+        <p:spPr>
+          <a:xfrm>
+            <a:off x="9866489" y="6122696"/>
+            <a:ext cx="2325511" cy="735304"/>
+          </a:xfrm>
+          <a:prstGeom prst="rect">
+            <a:avLst/>
+          </a:prstGeom>
+        </p:spPr>
+      </p:pic>
+      <p:pic>
+        <p:nvPicPr>
+          <p:cNvPr id="12" name="Image 11">
+            <a:extLst>
+              <a:ext uri="{FF2B5EF4-FFF2-40B4-BE49-F238E27FC236}">
+                <a16:creationId xmlns:a16="http://schemas.microsoft.com/office/drawing/2014/main" id="{4E94A6DC-B7E3-4202-82F0-1180D31911AA}"/>
+              </a:ext>
+            </a:extLst>
+          </p:cNvPr>
+          <p:cNvPicPr>
+            <a:picLocks noChangeAspect="1"/>
+          </p:cNvPicPr>
+          <p:nvPr/>
+        </p:nvPicPr>
+        <p:blipFill>
+          <a:blip r:embed="rId3"/>
+          <a:stretch>
+            <a:fillRect/>
+          </a:stretch>
+        </p:blipFill>
+        <p:spPr>
+          <a:xfrm>
+            <a:off x="591566" y="1348893"/>
+            <a:ext cx="4545146" cy="4702049"/>
+          </a:xfrm>
+          <a:prstGeom prst="rect">
+            <a:avLst/>
+          </a:prstGeom>
+        </p:spPr>
+      </p:pic>
+      <p:pic>
+        <p:nvPicPr>
+          <p:cNvPr id="14" name="Image 13">
+            <a:extLst>
+              <a:ext uri="{FF2B5EF4-FFF2-40B4-BE49-F238E27FC236}">
+                <a16:creationId xmlns:a16="http://schemas.microsoft.com/office/drawing/2014/main" id="{0EDF0C92-43A7-41CA-9054-4D8A099EB108}"/>
+              </a:ext>
+            </a:extLst>
+          </p:cNvPr>
+          <p:cNvPicPr>
+            <a:picLocks noChangeAspect="1"/>
+          </p:cNvPicPr>
+          <p:nvPr/>
+        </p:nvPicPr>
+        <p:blipFill>
+          <a:blip r:embed="rId4">
+            <a:extLst>
+              <a:ext uri="{28A0092B-C50C-407E-A947-70E740481C1C}">
+                <a14:useLocalDpi xmlns:a14="http://schemas.microsoft.com/office/drawing/2010/main" val="0"/>
+              </a:ext>
+            </a:extLst>
+          </a:blip>
+          <a:stretch>
+            <a:fillRect/>
+          </a:stretch>
+        </p:blipFill>
+        <p:spPr>
+          <a:xfrm>
+            <a:off x="6076245" y="1348893"/>
+            <a:ext cx="5549590" cy="4702049"/>
+          </a:xfrm>
+          <a:prstGeom prst="rect">
+            <a:avLst/>
+          </a:prstGeom>
+        </p:spPr>
+      </p:pic>
+    </p:spTree>
+    <p:extLst>
+      <p:ext uri="{BB962C8B-B14F-4D97-AF65-F5344CB8AC3E}">
+        <p14:creationId xmlns:p14="http://schemas.microsoft.com/office/powerpoint/2010/main" val="2278404560"/>
+      </p:ext>
+    </p:extLst>
+  </p:cSld>
+  <p:clrMapOvr>
+    <a:masterClrMapping/>
+  </p:clrMapOvr>
+</p:sld>
+</file>
+
+<file path=ppt/slides/slide4.xml><?xml version="1.0" encoding="utf-8"?>
+<p:sld xmlns:a="http://schemas.openxmlformats.org/drawingml/2006/main" xmlns:r="http://schemas.openxmlformats.org/officeDocument/2006/relationships" xmlns:p="http://schemas.openxmlformats.org/presentationml/2006/main">
+  <p:cSld>
+    <p:spTree>
+      <p:nvGrpSpPr>
+        <p:cNvPr id="1" name=""/>
+        <p:cNvGrpSpPr/>
+        <p:nvPr/>
+      </p:nvGrpSpPr>
+      <p:grpSpPr>
+        <a:xfrm>
+          <a:off x="0" y="0"/>
+          <a:ext cx="0" cy="0"/>
+          <a:chOff x="0" y="0"/>
+          <a:chExt cx="0" cy="0"/>
+        </a:xfrm>
+      </p:grpSpPr>
+      <p:sp>
+        <p:nvSpPr>
+          <p:cNvPr id="2" name="Titre 1">
+            <a:extLst>
+              <a:ext uri="{FF2B5EF4-FFF2-40B4-BE49-F238E27FC236}">
+                <a16:creationId xmlns:a16="http://schemas.microsoft.com/office/drawing/2014/main" id="{98C08574-A24D-43A7-8128-4E99DCE46F1C}"/>
+              </a:ext>
+            </a:extLst>
+          </p:cNvPr>
+          <p:cNvSpPr>
+            <a:spLocks noGrp="1"/>
+          </p:cNvSpPr>
+          <p:nvPr>
+            <p:ph type="title"/>
+          </p:nvPr>
+        </p:nvSpPr>
+        <p:spPr>
+          <a:xfrm>
+            <a:off x="1123246" y="417095"/>
+            <a:ext cx="9905998" cy="678315"/>
+          </a:xfrm>
+        </p:spPr>
+        <p:txBody>
+          <a:bodyPr>
+            <a:normAutofit/>
+          </a:bodyPr>
+          <a:lstStyle/>
+          <a:p>
+            <a:r>
+              <a:rPr lang="fr-FR" dirty="0"/>
+              <a:t>Diagramme de classe général</a:t>
+            </a:r>
+          </a:p>
+        </p:txBody>
+      </p:sp>
+      <p:pic>
+        <p:nvPicPr>
+          <p:cNvPr id="6" name="Image 5">
+            <a:extLst>
+              <a:ext uri="{FF2B5EF4-FFF2-40B4-BE49-F238E27FC236}">
+                <a16:creationId xmlns:a16="http://schemas.microsoft.com/office/drawing/2014/main" id="{BD23566E-974C-4903-9CA9-A71684C878CE}"/>
+              </a:ext>
+            </a:extLst>
+          </p:cNvPr>
+          <p:cNvPicPr>
+            <a:picLocks noChangeAspect="1"/>
+          </p:cNvPicPr>
+          <p:nvPr/>
+        </p:nvPicPr>
+        <p:blipFill>
+          <a:blip r:embed="rId2">
+            <a:extLst>
+              <a:ext uri="{28A0092B-C50C-407E-A947-70E740481C1C}">
+                <a14:useLocalDpi xmlns:a14="http://schemas.microsoft.com/office/drawing/2010/main" val="0"/>
+              </a:ext>
+            </a:extLst>
+          </a:blip>
+          <a:stretch>
+            <a:fillRect/>
+          </a:stretch>
+        </p:blipFill>
+        <p:spPr>
+          <a:xfrm>
+            <a:off x="9866489" y="6122696"/>
+            <a:ext cx="2325511" cy="735304"/>
+          </a:xfrm>
+          <a:prstGeom prst="rect">
+            <a:avLst/>
+          </a:prstGeom>
+        </p:spPr>
+      </p:pic>
+      <p:sp>
+        <p:nvSpPr>
+          <p:cNvPr id="16" name="ZoneTexte 15">
+            <a:extLst>
+              <a:ext uri="{FF2B5EF4-FFF2-40B4-BE49-F238E27FC236}">
+                <a16:creationId xmlns:a16="http://schemas.microsoft.com/office/drawing/2014/main" id="{76B34AE9-AFA3-48D0-9A7A-1CE21BD50CE8}"/>
+              </a:ext>
+            </a:extLst>
+          </p:cNvPr>
+          <p:cNvSpPr txBox="1"/>
+          <p:nvPr/>
+        </p:nvSpPr>
+        <p:spPr>
+          <a:xfrm>
+            <a:off x="1080141" y="2685723"/>
+            <a:ext cx="1301959" cy="1200329"/>
+          </a:xfrm>
+          <a:prstGeom prst="rect">
+            <a:avLst/>
+          </a:prstGeom>
+          <a:noFill/>
+        </p:spPr>
+        <p:txBody>
+          <a:bodyPr wrap="none" rtlCol="0">
+            <a:spAutoFit/>
+          </a:bodyPr>
+          <a:lstStyle/>
+          <a:p>
+            <a:r>
+              <a:rPr lang="fr-FR" sz="2400" b="1" dirty="0">
+                <a:solidFill>
+                  <a:srgbClr val="00CC66"/>
+                </a:solidFill>
+              </a:rPr>
+              <a:t>Alan</a:t>
+            </a:r>
+          </a:p>
+          <a:p>
+            <a:r>
+              <a:rPr lang="fr-FR" sz="2400" dirty="0">
+                <a:solidFill>
+                  <a:srgbClr val="FF7C80"/>
+                </a:solidFill>
+              </a:rPr>
+              <a:t>Arnaud</a:t>
+            </a:r>
+          </a:p>
+          <a:p>
+            <a:r>
+              <a:rPr lang="fr-FR" sz="2400" dirty="0">
+                <a:solidFill>
+                  <a:srgbClr val="0099FF"/>
+                </a:solidFill>
+              </a:rPr>
+              <a:t>Killian</a:t>
+            </a:r>
+          </a:p>
+        </p:txBody>
+      </p:sp>
+      <p:pic>
+        <p:nvPicPr>
+          <p:cNvPr id="18" name="Image 17">
+            <a:extLst>
+              <a:ext uri="{FF2B5EF4-FFF2-40B4-BE49-F238E27FC236}">
+                <a16:creationId xmlns:a16="http://schemas.microsoft.com/office/drawing/2014/main" id="{85860D36-8B37-4641-AB2F-952B6AED4366}"/>
+              </a:ext>
+            </a:extLst>
+          </p:cNvPr>
+          <p:cNvPicPr>
+            <a:picLocks noChangeAspect="1"/>
+          </p:cNvPicPr>
+          <p:nvPr/>
+        </p:nvPicPr>
+        <p:blipFill>
+          <a:blip r:embed="rId3">
+            <a:extLst>
+              <a:ext uri="{28A0092B-C50C-407E-A947-70E740481C1C}">
+                <a14:useLocalDpi xmlns:a14="http://schemas.microsoft.com/office/drawing/2010/main" val="0"/>
+              </a:ext>
+            </a:extLst>
+          </a:blip>
+          <a:stretch>
+            <a:fillRect/>
+          </a:stretch>
+        </p:blipFill>
+        <p:spPr>
+          <a:xfrm>
+            <a:off x="2759983" y="1095410"/>
+            <a:ext cx="6632523" cy="5619594"/>
+          </a:xfrm>
+          <a:prstGeom prst="rect">
+            <a:avLst/>
+          </a:prstGeom>
+        </p:spPr>
+      </p:pic>
+    </p:spTree>
+    <p:extLst>
+      <p:ext uri="{BB962C8B-B14F-4D97-AF65-F5344CB8AC3E}">
+        <p14:creationId xmlns:p14="http://schemas.microsoft.com/office/powerpoint/2010/main" val="1412947917"/>
+      </p:ext>
+    </p:extLst>
+  </p:cSld>
+  <p:clrMapOvr>
+    <a:masterClrMapping/>
+  </p:clrMapOvr>
+</p:sld>
+</file>
+
+<file path=ppt/slides/slide5.xml><?xml version="1.0" encoding="utf-8"?>
+<p:sld xmlns:a="http://schemas.openxmlformats.org/drawingml/2006/main" xmlns:r="http://schemas.openxmlformats.org/officeDocument/2006/relationships" xmlns:p="http://schemas.openxmlformats.org/presentationml/2006/main">
+  <p:cSld>
+    <p:spTree>
+      <p:nvGrpSpPr>
+        <p:cNvPr id="1" name=""/>
+        <p:cNvGrpSpPr/>
+        <p:nvPr/>
+      </p:nvGrpSpPr>
+      <p:grpSpPr>
+        <a:xfrm>
+          <a:off x="0" y="0"/>
+          <a:ext cx="0" cy="0"/>
+          <a:chOff x="0" y="0"/>
+          <a:chExt cx="0" cy="0"/>
+        </a:xfrm>
+      </p:grpSpPr>
+      <p:pic>
+        <p:nvPicPr>
+          <p:cNvPr id="5" name="Image 4">
+            <a:extLst>
+              <a:ext uri="{FF2B5EF4-FFF2-40B4-BE49-F238E27FC236}">
+                <a16:creationId xmlns:a16="http://schemas.microsoft.com/office/drawing/2014/main" id="{835E82E0-4789-488F-B982-3D411C8FBF22}"/>
+              </a:ext>
+            </a:extLst>
+          </p:cNvPr>
+          <p:cNvPicPr>
+            <a:picLocks noChangeAspect="1"/>
+          </p:cNvPicPr>
+          <p:nvPr/>
+        </p:nvPicPr>
+        <p:blipFill>
+          <a:blip r:embed="rId2"/>
+          <a:stretch>
+            <a:fillRect/>
+          </a:stretch>
+        </p:blipFill>
+        <p:spPr>
+          <a:xfrm>
+            <a:off x="7263497" y="1059632"/>
+            <a:ext cx="4460159" cy="2975951"/>
+          </a:xfrm>
+          <a:prstGeom prst="rect">
+            <a:avLst/>
+          </a:prstGeom>
+        </p:spPr>
+      </p:pic>
+      <p:sp>
+        <p:nvSpPr>
+          <p:cNvPr id="2" name="Titre 1">
+            <a:extLst>
+              <a:ext uri="{FF2B5EF4-FFF2-40B4-BE49-F238E27FC236}">
+                <a16:creationId xmlns:a16="http://schemas.microsoft.com/office/drawing/2014/main" id="{71F52973-9E34-4B64-BFE4-2E42711F3666}"/>
+              </a:ext>
+            </a:extLst>
+          </p:cNvPr>
+          <p:cNvSpPr>
+            <a:spLocks noGrp="1"/>
+          </p:cNvSpPr>
+          <p:nvPr>
+            <p:ph type="title"/>
+          </p:nvPr>
+        </p:nvSpPr>
+        <p:spPr>
+          <a:xfrm>
+            <a:off x="1123246" y="337738"/>
+            <a:ext cx="9905998" cy="721895"/>
+          </a:xfrm>
+        </p:spPr>
+        <p:txBody>
+          <a:bodyPr/>
+          <a:lstStyle/>
+          <a:p>
+            <a:r>
+              <a:rPr lang="fr-FR" dirty="0"/>
+              <a:t>Prototype d’interface</a:t>
+            </a:r>
+          </a:p>
+        </p:txBody>
+      </p:sp>
+      <p:pic>
+        <p:nvPicPr>
+          <p:cNvPr id="6" name="Image 5">
+            <a:extLst>
+              <a:ext uri="{FF2B5EF4-FFF2-40B4-BE49-F238E27FC236}">
+                <a16:creationId xmlns:a16="http://schemas.microsoft.com/office/drawing/2014/main" id="{F03CEA8B-2056-4FED-A6A0-20A9EFF96191}"/>
+              </a:ext>
+            </a:extLst>
+          </p:cNvPr>
+          <p:cNvPicPr>
+            <a:picLocks noChangeAspect="1"/>
+          </p:cNvPicPr>
+          <p:nvPr/>
+        </p:nvPicPr>
+        <p:blipFill>
+          <a:blip r:embed="rId3">
+            <a:extLst>
+              <a:ext uri="{28A0092B-C50C-407E-A947-70E740481C1C}">
+                <a14:useLocalDpi xmlns:a14="http://schemas.microsoft.com/office/drawing/2010/main" val="0"/>
+              </a:ext>
+            </a:extLst>
+          </a:blip>
+          <a:stretch>
+            <a:fillRect/>
+          </a:stretch>
+        </p:blipFill>
+        <p:spPr>
+          <a:xfrm>
+            <a:off x="9866489" y="6122696"/>
+            <a:ext cx="2325511" cy="735304"/>
+          </a:xfrm>
+          <a:prstGeom prst="rect">
+            <a:avLst/>
+          </a:prstGeom>
+        </p:spPr>
+      </p:pic>
+      <p:pic>
+        <p:nvPicPr>
+          <p:cNvPr id="3" name="Image 2">
+            <a:extLst>
+              <a:ext uri="{FF2B5EF4-FFF2-40B4-BE49-F238E27FC236}">
+                <a16:creationId xmlns:a16="http://schemas.microsoft.com/office/drawing/2014/main" id="{CB71235A-5E66-4C1E-9EB2-49883238CCF2}"/>
+              </a:ext>
+            </a:extLst>
+          </p:cNvPr>
+          <p:cNvPicPr>
+            <a:picLocks noChangeAspect="1"/>
+          </p:cNvPicPr>
+          <p:nvPr/>
+        </p:nvPicPr>
+        <p:blipFill>
+          <a:blip r:embed="rId4"/>
+          <a:stretch>
+            <a:fillRect/>
+          </a:stretch>
+        </p:blipFill>
+        <p:spPr>
+          <a:xfrm>
+            <a:off x="432683" y="1059632"/>
+            <a:ext cx="4460159" cy="2975951"/>
+          </a:xfrm>
+          <a:prstGeom prst="rect">
+            <a:avLst/>
+          </a:prstGeom>
+        </p:spPr>
+      </p:pic>
+      <p:pic>
+        <p:nvPicPr>
+          <p:cNvPr id="4" name="Image 3">
+            <a:extLst>
+              <a:ext uri="{FF2B5EF4-FFF2-40B4-BE49-F238E27FC236}">
+                <a16:creationId xmlns:a16="http://schemas.microsoft.com/office/drawing/2014/main" id="{B18D5AFC-CF71-419A-B6F5-686363E534F3}"/>
+              </a:ext>
+            </a:extLst>
+          </p:cNvPr>
+          <p:cNvPicPr>
+            <a:picLocks noChangeAspect="1"/>
+          </p:cNvPicPr>
+          <p:nvPr/>
+        </p:nvPicPr>
+        <p:blipFill>
+          <a:blip r:embed="rId5"/>
+          <a:stretch>
+            <a:fillRect/>
+          </a:stretch>
+        </p:blipFill>
+        <p:spPr>
+          <a:xfrm>
+            <a:off x="3842399" y="2748201"/>
+            <a:ext cx="4467692" cy="2975950"/>
+          </a:xfrm>
+          <a:prstGeom prst="rect">
+            <a:avLst/>
+          </a:prstGeom>
+        </p:spPr>
+      </p:pic>
+      <p:pic>
+        <p:nvPicPr>
+          <p:cNvPr id="7" name="Image 6">
+            <a:extLst>
+              <a:ext uri="{FF2B5EF4-FFF2-40B4-BE49-F238E27FC236}">
+                <a16:creationId xmlns:a16="http://schemas.microsoft.com/office/drawing/2014/main" id="{DCEC112A-D254-4E53-A320-F7049034615B}"/>
+              </a:ext>
+            </a:extLst>
+          </p:cNvPr>
+          <p:cNvPicPr>
+            <a:picLocks noChangeAspect="1"/>
+          </p:cNvPicPr>
+          <p:nvPr/>
+        </p:nvPicPr>
+        <p:blipFill>
+          <a:blip r:embed="rId6"/>
+          <a:stretch>
+            <a:fillRect/>
+          </a:stretch>
+        </p:blipFill>
+        <p:spPr>
+          <a:xfrm>
+            <a:off x="428834" y="4656600"/>
+            <a:ext cx="3038475" cy="1685925"/>
+          </a:xfrm>
+          <a:prstGeom prst="rect">
+            <a:avLst/>
+          </a:prstGeom>
+        </p:spPr>
+      </p:pic>
+    </p:spTree>
+    <p:extLst>
+      <p:ext uri="{BB962C8B-B14F-4D97-AF65-F5344CB8AC3E}">
+        <p14:creationId xmlns:p14="http://schemas.microsoft.com/office/powerpoint/2010/main" val="3320768902"/>
+      </p:ext>
+    </p:extLst>
+  </p:cSld>
+  <p:clrMapOvr>
+    <a:masterClrMapping/>
+  </p:clrMapOvr>
+</p:sld>
+</file>
+
+<file path=ppt/slides/slide6.xml><?xml version="1.0" encoding="utf-8"?>
+<p:sld xmlns:a="http://schemas.openxmlformats.org/drawingml/2006/main" xmlns:r="http://schemas.openxmlformats.org/officeDocument/2006/relationships" xmlns:p="http://schemas.openxmlformats.org/presentationml/2006/main">
+  <p:cSld>
+    <p:spTree>
+      <p:nvGrpSpPr>
+        <p:cNvPr id="1" name=""/>
+        <p:cNvGrpSpPr/>
+        <p:nvPr/>
+      </p:nvGrpSpPr>
+      <p:grpSpPr>
+        <a:xfrm>
+          <a:off x="0" y="0"/>
+          <a:ext cx="0" cy="0"/>
+          <a:chOff x="0" y="0"/>
+          <a:chExt cx="0" cy="0"/>
+        </a:xfrm>
+      </p:grpSpPr>
+      <p:sp>
+        <p:nvSpPr>
+          <p:cNvPr id="2" name="Titre 1">
+            <a:extLst>
+              <a:ext uri="{FF2B5EF4-FFF2-40B4-BE49-F238E27FC236}">
+                <a16:creationId xmlns:a16="http://schemas.microsoft.com/office/drawing/2014/main" id="{71F52973-9E34-4B64-BFE4-2E42711F3666}"/>
+              </a:ext>
+            </a:extLst>
+          </p:cNvPr>
+          <p:cNvSpPr>
+            <a:spLocks noGrp="1"/>
+          </p:cNvSpPr>
+          <p:nvPr>
+            <p:ph type="title"/>
+          </p:nvPr>
+        </p:nvSpPr>
+        <p:spPr>
+          <a:xfrm>
+            <a:off x="1141413" y="453442"/>
+            <a:ext cx="9905998" cy="641684"/>
+          </a:xfrm>
+        </p:spPr>
+        <p:txBody>
+          <a:bodyPr/>
+          <a:lstStyle/>
+          <a:p>
+            <a:r>
+              <a:rPr lang="fr-FR" dirty="0"/>
+              <a:t>Diagramme de cas d’utilisation</a:t>
+            </a:r>
+          </a:p>
+        </p:txBody>
+      </p:sp>
+      <p:pic>
+        <p:nvPicPr>
+          <p:cNvPr id="11" name="Image 10">
+            <a:extLst>
+              <a:ext uri="{FF2B5EF4-FFF2-40B4-BE49-F238E27FC236}">
+                <a16:creationId xmlns:a16="http://schemas.microsoft.com/office/drawing/2014/main" id="{8B910C28-E141-4676-961B-2155CC175E1D}"/>
+              </a:ext>
+            </a:extLst>
+          </p:cNvPr>
+          <p:cNvPicPr>
+            <a:picLocks noChangeAspect="1"/>
+          </p:cNvPicPr>
+          <p:nvPr/>
+        </p:nvPicPr>
+        <p:blipFill>
+          <a:blip r:embed="rId2">
+            <a:extLst>
+              <a:ext uri="{28A0092B-C50C-407E-A947-70E740481C1C}">
+                <a14:useLocalDpi xmlns:a14="http://schemas.microsoft.com/office/drawing/2010/main" val="0"/>
+              </a:ext>
+            </a:extLst>
+          </a:blip>
+          <a:stretch>
+            <a:fillRect/>
+          </a:stretch>
+        </p:blipFill>
+        <p:spPr>
+          <a:xfrm>
+            <a:off x="9866489" y="6122696"/>
+            <a:ext cx="2325511" cy="735304"/>
+          </a:xfrm>
+          <a:prstGeom prst="rect">
+            <a:avLst/>
+          </a:prstGeom>
+        </p:spPr>
+      </p:pic>
+      <p:pic>
+        <p:nvPicPr>
+          <p:cNvPr id="8" name="Image 7">
+            <a:extLst>
+              <a:ext uri="{FF2B5EF4-FFF2-40B4-BE49-F238E27FC236}">
+                <a16:creationId xmlns:a16="http://schemas.microsoft.com/office/drawing/2014/main" id="{2C447C5D-DF9A-4CC8-835D-EDCD16AC2970}"/>
+              </a:ext>
+            </a:extLst>
+          </p:cNvPr>
+          <p:cNvPicPr>
+            <a:picLocks noChangeAspect="1"/>
+          </p:cNvPicPr>
+          <p:nvPr/>
+        </p:nvPicPr>
+        <p:blipFill>
+          <a:blip r:embed="rId3">
+            <a:extLst>
+              <a:ext uri="{28A0092B-C50C-407E-A947-70E740481C1C}">
+                <a14:useLocalDpi xmlns:a14="http://schemas.microsoft.com/office/drawing/2010/main" val="0"/>
+              </a:ext>
+            </a:extLst>
+          </a:blip>
+          <a:stretch>
+            <a:fillRect/>
+          </a:stretch>
+        </p:blipFill>
+        <p:spPr>
+          <a:xfrm>
+            <a:off x="2810383" y="1095126"/>
+            <a:ext cx="6568058" cy="5305674"/>
+          </a:xfrm>
+          <a:prstGeom prst="rect">
+            <a:avLst/>
+          </a:prstGeom>
+        </p:spPr>
+      </p:pic>
+    </p:spTree>
+    <p:extLst>
+      <p:ext uri="{BB962C8B-B14F-4D97-AF65-F5344CB8AC3E}">
+        <p14:creationId xmlns:p14="http://schemas.microsoft.com/office/powerpoint/2010/main" val="1537114341"/>
+      </p:ext>
+    </p:extLst>
+  </p:cSld>
+  <p:clrMapOvr>
+    <a:masterClrMapping/>
+  </p:clrMapOvr>
+</p:sld>
+</file>
+
+<file path=ppt/slides/slide7.xml><?xml version="1.0" encoding="utf-8"?>
+<p:sld xmlns:a="http://schemas.openxmlformats.org/drawingml/2006/main" xmlns:r="http://schemas.openxmlformats.org/officeDocument/2006/relationships" xmlns:p="http://schemas.openxmlformats.org/presentationml/2006/main">
+  <p:cSld>
+    <p:spTree>
+      <p:nvGrpSpPr>
+        <p:cNvPr id="1" name=""/>
+        <p:cNvGrpSpPr/>
+        <p:nvPr/>
+      </p:nvGrpSpPr>
+      <p:grpSpPr>
+        <a:xfrm>
+          <a:off x="0" y="0"/>
+          <a:ext cx="0" cy="0"/>
+          <a:chOff x="0" y="0"/>
+          <a:chExt cx="0" cy="0"/>
+        </a:xfrm>
+      </p:grpSpPr>
+      <p:sp>
+        <p:nvSpPr>
+          <p:cNvPr id="2" name="Titre 1">
+            <a:extLst>
+              <a:ext uri="{FF2B5EF4-FFF2-40B4-BE49-F238E27FC236}">
+                <a16:creationId xmlns:a16="http://schemas.microsoft.com/office/drawing/2014/main" id="{71F52973-9E34-4B64-BFE4-2E42711F3666}"/>
+              </a:ext>
+            </a:extLst>
+          </p:cNvPr>
+          <p:cNvSpPr>
+            <a:spLocks noGrp="1"/>
+          </p:cNvSpPr>
+          <p:nvPr>
+            <p:ph type="title"/>
+          </p:nvPr>
+        </p:nvSpPr>
+        <p:spPr>
+          <a:xfrm>
+            <a:off x="1123246" y="337738"/>
+            <a:ext cx="9905998" cy="721895"/>
+          </a:xfrm>
+        </p:spPr>
+        <p:txBody>
+          <a:bodyPr>
+            <a:normAutofit/>
+          </a:bodyPr>
+          <a:lstStyle/>
+          <a:p>
+            <a:r>
+              <a:rPr lang="fr-FR" dirty="0"/>
+              <a:t>Diagramme de Séquence</a:t>
+            </a:r>
+          </a:p>
+        </p:txBody>
+      </p:sp>
+      <p:pic>
+        <p:nvPicPr>
+          <p:cNvPr id="6" name="Image 5">
+            <a:extLst>
+              <a:ext uri="{FF2B5EF4-FFF2-40B4-BE49-F238E27FC236}">
+                <a16:creationId xmlns:a16="http://schemas.microsoft.com/office/drawing/2014/main" id="{F03CEA8B-2056-4FED-A6A0-20A9EFF96191}"/>
+              </a:ext>
+            </a:extLst>
+          </p:cNvPr>
+          <p:cNvPicPr>
+            <a:picLocks noChangeAspect="1"/>
+          </p:cNvPicPr>
+          <p:nvPr/>
+        </p:nvPicPr>
+        <p:blipFill>
+          <a:blip r:embed="rId2">
+            <a:extLst>
+              <a:ext uri="{28A0092B-C50C-407E-A947-70E740481C1C}">
+                <a14:useLocalDpi xmlns:a14="http://schemas.microsoft.com/office/drawing/2010/main" val="0"/>
+              </a:ext>
+            </a:extLst>
+          </a:blip>
+          <a:stretch>
+            <a:fillRect/>
+          </a:stretch>
+        </p:blipFill>
+        <p:spPr>
+          <a:xfrm>
+            <a:off x="9866489" y="6122696"/>
+            <a:ext cx="2325511" cy="735304"/>
+          </a:xfrm>
+          <a:prstGeom prst="rect">
+            <a:avLst/>
+          </a:prstGeom>
+        </p:spPr>
+      </p:pic>
+      <p:pic>
+        <p:nvPicPr>
+          <p:cNvPr id="4" name="Image 3">
+            <a:extLst>
+              <a:ext uri="{FF2B5EF4-FFF2-40B4-BE49-F238E27FC236}">
+                <a16:creationId xmlns:a16="http://schemas.microsoft.com/office/drawing/2014/main" id="{BAA3D6BA-A705-4395-B1AA-6AE82E27D723}"/>
+              </a:ext>
+            </a:extLst>
+          </p:cNvPr>
+          <p:cNvPicPr>
+            <a:picLocks noChangeAspect="1"/>
+          </p:cNvPicPr>
+          <p:nvPr/>
+        </p:nvPicPr>
+        <p:blipFill>
+          <a:blip r:embed="rId3">
+            <a:extLst>
+              <a:ext uri="{28A0092B-C50C-407E-A947-70E740481C1C}">
+                <a14:useLocalDpi xmlns:a14="http://schemas.microsoft.com/office/drawing/2010/main" val="0"/>
+              </a:ext>
+            </a:extLst>
+          </a:blip>
+          <a:stretch>
+            <a:fillRect/>
+          </a:stretch>
+        </p:blipFill>
+        <p:spPr>
+          <a:xfrm>
+            <a:off x="2099063" y="1016195"/>
+            <a:ext cx="7954363" cy="5149940"/>
+          </a:xfrm>
+          <a:prstGeom prst="rect">
+            <a:avLst/>
+          </a:prstGeom>
+        </p:spPr>
+      </p:pic>
+    </p:spTree>
+    <p:extLst>
+      <p:ext uri="{BB962C8B-B14F-4D97-AF65-F5344CB8AC3E}">
+        <p14:creationId xmlns:p14="http://schemas.microsoft.com/office/powerpoint/2010/main" val="1872808887"/>
+      </p:ext>
+    </p:extLst>
+  </p:cSld>
+  <p:clrMapOvr>
+    <a:masterClrMapping/>
+  </p:clrMapOvr>
+</p:sld>
+</file>
+
+<file path=ppt/slides/slide8.xml><?xml version="1.0" encoding="utf-8"?>
+<p:sld xmlns:a="http://schemas.openxmlformats.org/drawingml/2006/main" xmlns:r="http://schemas.openxmlformats.org/officeDocument/2006/relationships" xmlns:p="http://schemas.openxmlformats.org/presentationml/2006/main">
+  <p:cSld>
+    <p:spTree>
+      <p:nvGrpSpPr>
+        <p:cNvPr id="1" name=""/>
+        <p:cNvGrpSpPr/>
+        <p:nvPr/>
+      </p:nvGrpSpPr>
+      <p:grpSpPr>
+        <a:xfrm>
+          <a:off x="0" y="0"/>
+          <a:ext cx="0" cy="0"/>
+          <a:chOff x="0" y="0"/>
+          <a:chExt cx="0" cy="0"/>
+        </a:xfrm>
+      </p:grpSpPr>
+      <p:sp>
+        <p:nvSpPr>
+          <p:cNvPr id="2" name="Titre 1">
+            <a:extLst>
+              <a:ext uri="{FF2B5EF4-FFF2-40B4-BE49-F238E27FC236}">
+                <a16:creationId xmlns:a16="http://schemas.microsoft.com/office/drawing/2014/main" id="{71F52973-9E34-4B64-BFE4-2E42711F3666}"/>
+              </a:ext>
+            </a:extLst>
+          </p:cNvPr>
+          <p:cNvSpPr>
+            <a:spLocks noGrp="1"/>
+          </p:cNvSpPr>
+          <p:nvPr>
+            <p:ph type="title"/>
+          </p:nvPr>
+        </p:nvSpPr>
+        <p:spPr>
+          <a:xfrm>
+            <a:off x="1123246" y="337738"/>
+            <a:ext cx="9905998" cy="721895"/>
+          </a:xfrm>
+        </p:spPr>
+        <p:txBody>
+          <a:bodyPr>
+            <a:normAutofit/>
+          </a:bodyPr>
+          <a:lstStyle/>
+          <a:p>
+            <a:r>
+              <a:rPr lang="fr-FR" dirty="0"/>
+              <a:t>Diagramme de Séquence</a:t>
+            </a:r>
+          </a:p>
+        </p:txBody>
+      </p:sp>
+      <p:pic>
+        <p:nvPicPr>
+          <p:cNvPr id="6" name="Image 5">
+            <a:extLst>
+              <a:ext uri="{FF2B5EF4-FFF2-40B4-BE49-F238E27FC236}">
+                <a16:creationId xmlns:a16="http://schemas.microsoft.com/office/drawing/2014/main" id="{F03CEA8B-2056-4FED-A6A0-20A9EFF96191}"/>
+              </a:ext>
+            </a:extLst>
+          </p:cNvPr>
+          <p:cNvPicPr>
+            <a:picLocks noChangeAspect="1"/>
+          </p:cNvPicPr>
+          <p:nvPr/>
+        </p:nvPicPr>
+        <p:blipFill>
+          <a:blip r:embed="rId2">
+            <a:extLst>
+              <a:ext uri="{28A0092B-C50C-407E-A947-70E740481C1C}">
+                <a14:useLocalDpi xmlns:a14="http://schemas.microsoft.com/office/drawing/2010/main" val="0"/>
+              </a:ext>
+            </a:extLst>
+          </a:blip>
+          <a:stretch>
+            <a:fillRect/>
+          </a:stretch>
+        </p:blipFill>
+        <p:spPr>
+          <a:xfrm>
+            <a:off x="9866489" y="6122696"/>
+            <a:ext cx="2325511" cy="735304"/>
+          </a:xfrm>
+          <a:prstGeom prst="rect">
+            <a:avLst/>
+          </a:prstGeom>
+        </p:spPr>
+      </p:pic>
+      <p:pic>
+        <p:nvPicPr>
+          <p:cNvPr id="8" name="Image 7">
+            <a:extLst>
+              <a:ext uri="{FF2B5EF4-FFF2-40B4-BE49-F238E27FC236}">
+                <a16:creationId xmlns:a16="http://schemas.microsoft.com/office/drawing/2014/main" id="{4C17951B-77B4-4B2A-A91B-667552F706AD}"/>
+              </a:ext>
+            </a:extLst>
+          </p:cNvPr>
+          <p:cNvPicPr>
+            <a:picLocks noChangeAspect="1"/>
+          </p:cNvPicPr>
+          <p:nvPr/>
+        </p:nvPicPr>
+        <p:blipFill>
+          <a:blip r:embed="rId3">
+            <a:extLst>
+              <a:ext uri="{28A0092B-C50C-407E-A947-70E740481C1C}">
+                <a14:useLocalDpi xmlns:a14="http://schemas.microsoft.com/office/drawing/2010/main" val="0"/>
+              </a:ext>
+            </a:extLst>
+          </a:blip>
+          <a:stretch>
+            <a:fillRect/>
+          </a:stretch>
+        </p:blipFill>
+        <p:spPr>
+          <a:xfrm>
+            <a:off x="2349768" y="1059633"/>
+            <a:ext cx="7452953" cy="5293041"/>
+          </a:xfrm>
+          <a:prstGeom prst="rect">
+            <a:avLst/>
+          </a:prstGeom>
+        </p:spPr>
+      </p:pic>
+    </p:spTree>
+    <p:extLst>
+      <p:ext uri="{BB962C8B-B14F-4D97-AF65-F5344CB8AC3E}">
+        <p14:creationId xmlns:p14="http://schemas.microsoft.com/office/powerpoint/2010/main" val="2819139166"/>
+      </p:ext>
+    </p:extLst>
+  </p:cSld>
+  <p:clrMapOvr>
+    <a:masterClrMapping/>
+  </p:clrMapOvr>
+</p:sld>
+</file>
+
+<file path=ppt/slides/slide9.xml><?xml version="1.0" encoding="utf-8"?>
+<p:sld xmlns:a="http://schemas.openxmlformats.org/drawingml/2006/main" xmlns:r="http://schemas.openxmlformats.org/officeDocument/2006/relationships" xmlns:p="http://schemas.openxmlformats.org/presentationml/2006/main">
+  <p:cSld>
+    <p:spTree>
+      <p:nvGrpSpPr>
+        <p:cNvPr id="1" name=""/>
+        <p:cNvGrpSpPr/>
+        <p:nvPr/>
+      </p:nvGrpSpPr>
+      <p:grpSpPr>
+        <a:xfrm>
+          <a:off x="0" y="0"/>
+          <a:ext cx="0" cy="0"/>
+          <a:chOff x="0" y="0"/>
+          <a:chExt cx="0" cy="0"/>
+        </a:xfrm>
+      </p:grpSpPr>
+      <p:sp>
+        <p:nvSpPr>
+          <p:cNvPr id="2" name="Titre 1">
+            <a:extLst>
+              <a:ext uri="{FF2B5EF4-FFF2-40B4-BE49-F238E27FC236}">
+                <a16:creationId xmlns:a16="http://schemas.microsoft.com/office/drawing/2014/main" id="{71F52973-9E34-4B64-BFE4-2E42711F3666}"/>
+              </a:ext>
+            </a:extLst>
+          </p:cNvPr>
+          <p:cNvSpPr>
+            <a:spLocks noGrp="1"/>
+          </p:cNvSpPr>
+          <p:nvPr>
+            <p:ph type="title"/>
+          </p:nvPr>
+        </p:nvSpPr>
+        <p:spPr>
+          <a:xfrm>
+            <a:off x="1123246" y="337738"/>
+            <a:ext cx="9905998" cy="721895"/>
+          </a:xfrm>
+        </p:spPr>
+        <p:txBody>
+          <a:bodyPr>
+            <a:normAutofit/>
+          </a:bodyPr>
+          <a:lstStyle/>
+          <a:p>
+            <a:r>
+              <a:rPr lang="fr-FR" dirty="0"/>
+              <a:t>Diagramme de Séquence</a:t>
+            </a:r>
+          </a:p>
+        </p:txBody>
+      </p:sp>
+      <p:pic>
+        <p:nvPicPr>
+          <p:cNvPr id="6" name="Image 5">
+            <a:extLst>
+              <a:ext uri="{FF2B5EF4-FFF2-40B4-BE49-F238E27FC236}">
+                <a16:creationId xmlns:a16="http://schemas.microsoft.com/office/drawing/2014/main" id="{F03CEA8B-2056-4FED-A6A0-20A9EFF96191}"/>
+              </a:ext>
+            </a:extLst>
+          </p:cNvPr>
+          <p:cNvPicPr>
+            <a:picLocks noChangeAspect="1"/>
+          </p:cNvPicPr>
+          <p:nvPr/>
+        </p:nvPicPr>
+        <p:blipFill>
+          <a:blip r:embed="rId2">
+            <a:extLst>
+              <a:ext uri="{28A0092B-C50C-407E-A947-70E740481C1C}">
+                <a14:useLocalDpi xmlns:a14="http://schemas.microsoft.com/office/drawing/2010/main" val="0"/>
+              </a:ext>
+            </a:extLst>
+          </a:blip>
+          <a:stretch>
+            <a:fillRect/>
+          </a:stretch>
+        </p:blipFill>
+        <p:spPr>
+          <a:xfrm>
+            <a:off x="9866489" y="6122696"/>
+            <a:ext cx="2325511" cy="735304"/>
+          </a:xfrm>
+          <a:prstGeom prst="rect">
+            <a:avLst/>
+          </a:prstGeom>
+        </p:spPr>
+      </p:pic>
+      <p:pic>
+        <p:nvPicPr>
+          <p:cNvPr id="4" name="Image 3">
+            <a:extLst>
+              <a:ext uri="{FF2B5EF4-FFF2-40B4-BE49-F238E27FC236}">
+                <a16:creationId xmlns:a16="http://schemas.microsoft.com/office/drawing/2014/main" id="{0EB27886-F902-4F3A-AD43-88528603FC64}"/>
+              </a:ext>
+            </a:extLst>
+          </p:cNvPr>
+          <p:cNvPicPr>
+            <a:picLocks noChangeAspect="1"/>
+          </p:cNvPicPr>
+          <p:nvPr/>
+        </p:nvPicPr>
+        <p:blipFill>
+          <a:blip r:embed="rId3">
+            <a:extLst>
+              <a:ext uri="{28A0092B-C50C-407E-A947-70E740481C1C}">
+                <a14:useLocalDpi xmlns:a14="http://schemas.microsoft.com/office/drawing/2010/main" val="0"/>
+              </a:ext>
+            </a:extLst>
+          </a:blip>
+          <a:stretch>
+            <a:fillRect/>
+          </a:stretch>
+        </p:blipFill>
+        <p:spPr>
+          <a:xfrm>
+            <a:off x="1878432" y="1059633"/>
+            <a:ext cx="8395625" cy="5063063"/>
+          </a:xfrm>
+          <a:prstGeom prst="rect">
+            <a:avLst/>
+          </a:prstGeom>
+        </p:spPr>
+      </p:pic>
+    </p:spTree>
+    <p:extLst>
+      <p:ext uri="{BB962C8B-B14F-4D97-AF65-F5344CB8AC3E}">
+        <p14:creationId xmlns:p14="http://schemas.microsoft.com/office/powerpoint/2010/main" val="2135174011"/>
       </p:ext>
     </p:extLst>
   </p:cSld>

--- a/05_revue_de_projet/revues/revue_02/alan_carrer/diaporama.pptx
+++ b/05_revue_de_projet/revues/revue_02/alan_carrer/diaporama.pptx
@@ -8,15 +8,17 @@
     <p:sldId id="256" r:id="rId2"/>
     <p:sldId id="268" r:id="rId3"/>
     <p:sldId id="261" r:id="rId4"/>
-    <p:sldId id="267" r:id="rId5"/>
-    <p:sldId id="266" r:id="rId6"/>
-    <p:sldId id="258" r:id="rId7"/>
-    <p:sldId id="262" r:id="rId8"/>
-    <p:sldId id="263" r:id="rId9"/>
-    <p:sldId id="264" r:id="rId10"/>
-    <p:sldId id="265" r:id="rId11"/>
-    <p:sldId id="257" r:id="rId12"/>
-    <p:sldId id="260" r:id="rId13"/>
+    <p:sldId id="269" r:id="rId5"/>
+    <p:sldId id="267" r:id="rId6"/>
+    <p:sldId id="270" r:id="rId7"/>
+    <p:sldId id="266" r:id="rId8"/>
+    <p:sldId id="258" r:id="rId9"/>
+    <p:sldId id="262" r:id="rId10"/>
+    <p:sldId id="263" r:id="rId11"/>
+    <p:sldId id="264" r:id="rId12"/>
+    <p:sldId id="265" r:id="rId13"/>
+    <p:sldId id="257" r:id="rId14"/>
+    <p:sldId id="260" r:id="rId15"/>
   </p:sldIdLst>
   <p:sldSz cx="12192000" cy="6858000"/>
   <p:notesSz cx="6858000" cy="9144000"/>
@@ -340,7 +342,7 @@
           <a:p>
             <a:fld id="{1F5DCE98-6469-4349-83BA-9C41D5BCF405}" type="datetimeFigureOut">
               <a:rPr lang="fr-FR" smtClean="0"/>
-              <a:t>12/03/2018</a:t>
+              <a:t>13/03/2018</a:t>
             </a:fld>
             <a:endParaRPr lang="fr-FR"/>
           </a:p>
@@ -631,7 +633,7 @@
           <a:p>
             <a:fld id="{1F5DCE98-6469-4349-83BA-9C41D5BCF405}" type="datetimeFigureOut">
               <a:rPr lang="fr-FR" smtClean="0"/>
-              <a:t>12/03/2018</a:t>
+              <a:t>13/03/2018</a:t>
             </a:fld>
             <a:endParaRPr lang="fr-FR"/>
           </a:p>
@@ -890,7 +892,7 @@
           <a:p>
             <a:fld id="{1F5DCE98-6469-4349-83BA-9C41D5BCF405}" type="datetimeFigureOut">
               <a:rPr lang="fr-FR" smtClean="0"/>
-              <a:t>12/03/2018</a:t>
+              <a:t>13/03/2018</a:t>
             </a:fld>
             <a:endParaRPr lang="fr-FR"/>
           </a:p>
@@ -1359,7 +1361,7 @@
           <a:p>
             <a:fld id="{1F5DCE98-6469-4349-83BA-9C41D5BCF405}" type="datetimeFigureOut">
               <a:rPr lang="fr-FR" smtClean="0"/>
-              <a:t>12/03/2018</a:t>
+              <a:t>13/03/2018</a:t>
             </a:fld>
             <a:endParaRPr lang="fr-FR"/>
           </a:p>
@@ -1539,7 +1541,7 @@
           <a:p>
             <a:fld id="{1F5DCE98-6469-4349-83BA-9C41D5BCF405}" type="datetimeFigureOut">
               <a:rPr lang="fr-FR" smtClean="0"/>
-              <a:t>12/03/2018</a:t>
+              <a:t>13/03/2018</a:t>
             </a:fld>
             <a:endParaRPr lang="fr-FR"/>
           </a:p>
@@ -2115,7 +2117,7 @@
           <a:p>
             <a:fld id="{1F5DCE98-6469-4349-83BA-9C41D5BCF405}" type="datetimeFigureOut">
               <a:rPr lang="fr-FR" smtClean="0"/>
-              <a:t>12/03/2018</a:t>
+              <a:t>13/03/2018</a:t>
             </a:fld>
             <a:endParaRPr lang="fr-FR"/>
           </a:p>
@@ -2447,7 +2449,7 @@
           <a:p>
             <a:fld id="{1F5DCE98-6469-4349-83BA-9C41D5BCF405}" type="datetimeFigureOut">
               <a:rPr lang="fr-FR" smtClean="0"/>
-              <a:t>12/03/2018</a:t>
+              <a:t>13/03/2018</a:t>
             </a:fld>
             <a:endParaRPr lang="fr-FR"/>
           </a:p>
@@ -2622,7 +2624,7 @@
           <a:p>
             <a:fld id="{1F5DCE98-6469-4349-83BA-9C41D5BCF405}" type="datetimeFigureOut">
               <a:rPr lang="fr-FR" smtClean="0"/>
-              <a:t>12/03/2018</a:t>
+              <a:t>13/03/2018</a:t>
             </a:fld>
             <a:endParaRPr lang="fr-FR"/>
           </a:p>
@@ -2802,7 +2804,7 @@
           <a:p>
             <a:fld id="{1F5DCE98-6469-4349-83BA-9C41D5BCF405}" type="datetimeFigureOut">
               <a:rPr lang="fr-FR" smtClean="0"/>
-              <a:t>12/03/2018</a:t>
+              <a:t>13/03/2018</a:t>
             </a:fld>
             <a:endParaRPr lang="fr-FR"/>
           </a:p>
@@ -2972,7 +2974,7 @@
           <a:p>
             <a:fld id="{1F5DCE98-6469-4349-83BA-9C41D5BCF405}" type="datetimeFigureOut">
               <a:rPr lang="fr-FR" smtClean="0"/>
-              <a:t>12/03/2018</a:t>
+              <a:t>13/03/2018</a:t>
             </a:fld>
             <a:endParaRPr lang="fr-FR"/>
           </a:p>
@@ -3229,7 +3231,7 @@
           <a:p>
             <a:fld id="{1F5DCE98-6469-4349-83BA-9C41D5BCF405}" type="datetimeFigureOut">
               <a:rPr lang="fr-FR" smtClean="0"/>
-              <a:t>12/03/2018</a:t>
+              <a:t>13/03/2018</a:t>
             </a:fld>
             <a:endParaRPr lang="fr-FR"/>
           </a:p>
@@ -3521,7 +3523,7 @@
           <a:p>
             <a:fld id="{1F5DCE98-6469-4349-83BA-9C41D5BCF405}" type="datetimeFigureOut">
               <a:rPr lang="fr-FR" smtClean="0"/>
-              <a:t>12/03/2018</a:t>
+              <a:t>13/03/2018</a:t>
             </a:fld>
             <a:endParaRPr lang="fr-FR"/>
           </a:p>
@@ -3951,7 +3953,7 @@
           <a:p>
             <a:fld id="{1F5DCE98-6469-4349-83BA-9C41D5BCF405}" type="datetimeFigureOut">
               <a:rPr lang="fr-FR" smtClean="0"/>
-              <a:t>12/03/2018</a:t>
+              <a:t>13/03/2018</a:t>
             </a:fld>
             <a:endParaRPr lang="fr-FR"/>
           </a:p>
@@ -4069,7 +4071,7 @@
           <a:p>
             <a:fld id="{1F5DCE98-6469-4349-83BA-9C41D5BCF405}" type="datetimeFigureOut">
               <a:rPr lang="fr-FR" smtClean="0"/>
-              <a:t>12/03/2018</a:t>
+              <a:t>13/03/2018</a:t>
             </a:fld>
             <a:endParaRPr lang="fr-FR"/>
           </a:p>
@@ -4164,7 +4166,7 @@
           <a:p>
             <a:fld id="{1F5DCE98-6469-4349-83BA-9C41D5BCF405}" type="datetimeFigureOut">
               <a:rPr lang="fr-FR" smtClean="0"/>
-              <a:t>12/03/2018</a:t>
+              <a:t>13/03/2018</a:t>
             </a:fld>
             <a:endParaRPr lang="fr-FR"/>
           </a:p>
@@ -4447,7 +4449,7 @@
           <a:p>
             <a:fld id="{1F5DCE98-6469-4349-83BA-9C41D5BCF405}" type="datetimeFigureOut">
               <a:rPr lang="fr-FR" smtClean="0"/>
-              <a:t>12/03/2018</a:t>
+              <a:t>13/03/2018</a:t>
             </a:fld>
             <a:endParaRPr lang="fr-FR"/>
           </a:p>
@@ -4738,7 +4740,7 @@
           <a:p>
             <a:fld id="{1F5DCE98-6469-4349-83BA-9C41D5BCF405}" type="datetimeFigureOut">
               <a:rPr lang="fr-FR" smtClean="0"/>
-              <a:t>12/03/2018</a:t>
+              <a:t>13/03/2018</a:t>
             </a:fld>
             <a:endParaRPr lang="fr-FR"/>
           </a:p>
@@ -4969,7 +4971,7 @@
           <a:p>
             <a:fld id="{1F5DCE98-6469-4349-83BA-9C41D5BCF405}" type="datetimeFigureOut">
               <a:rPr lang="fr-FR" smtClean="0"/>
-              <a:t>12/03/2018</a:t>
+              <a:t>13/03/2018</a:t>
             </a:fld>
             <a:endParaRPr lang="fr-FR"/>
           </a:p>
@@ -5993,6 +5995,18 @@
   <p:clrMapOvr>
     <a:masterClrMapping/>
   </p:clrMapOvr>
+  <mc:AlternateContent xmlns:mc="http://schemas.openxmlformats.org/markup-compatibility/2006">
+    <mc:Choice xmlns:p14="http://schemas.microsoft.com/office/powerpoint/2010/main" Requires="p14">
+      <p:transition p14:dur="250">
+        <p:wipe/>
+      </p:transition>
+    </mc:Choice>
+    <mc:Fallback>
+      <p:transition>
+        <p:wipe/>
+      </p:transition>
+    </mc:Fallback>
+  </mc:AlternateContent>
 </p:sld>
 </file>
 
@@ -6086,10 +6100,10 @@
       </p:pic>
       <p:pic>
         <p:nvPicPr>
-          <p:cNvPr id="5" name="Image 4">
+          <p:cNvPr id="8" name="Image 7">
             <a:extLst>
               <a:ext uri="{FF2B5EF4-FFF2-40B4-BE49-F238E27FC236}">
-                <a16:creationId xmlns:a16="http://schemas.microsoft.com/office/drawing/2014/main" id="{BF13AF4D-5FCD-4F2A-8B2B-5EA4DA039F31}"/>
+                <a16:creationId xmlns:a16="http://schemas.microsoft.com/office/drawing/2014/main" id="{4C17951B-77B4-4B2A-A91B-667552F706AD}"/>
               </a:ext>
             </a:extLst>
           </p:cNvPr>
@@ -6112,8 +6126,8 @@
         </p:blipFill>
         <p:spPr>
           <a:xfrm>
-            <a:off x="1933738" y="1059633"/>
-            <a:ext cx="8285013" cy="5063063"/>
+            <a:off x="2349768" y="1059633"/>
+            <a:ext cx="7452953" cy="5293041"/>
           </a:xfrm>
           <a:prstGeom prst="rect">
             <a:avLst/>
@@ -6123,13 +6137,25 @@
     </p:spTree>
     <p:extLst>
       <p:ext uri="{BB962C8B-B14F-4D97-AF65-F5344CB8AC3E}">
-        <p14:creationId xmlns:p14="http://schemas.microsoft.com/office/powerpoint/2010/main" val="2723997639"/>
+        <p14:creationId xmlns:p14="http://schemas.microsoft.com/office/powerpoint/2010/main" val="2819139166"/>
       </p:ext>
     </p:extLst>
   </p:cSld>
   <p:clrMapOvr>
     <a:masterClrMapping/>
   </p:clrMapOvr>
+  <mc:AlternateContent xmlns:mc="http://schemas.openxmlformats.org/markup-compatibility/2006">
+    <mc:Choice xmlns:p14="http://schemas.microsoft.com/office/powerpoint/2010/main" Requires="p14">
+      <p:transition p14:dur="250">
+        <p:wipe/>
+      </p:transition>
+    </mc:Choice>
+    <mc:Fallback>
+      <p:transition>
+        <p:wipe/>
+      </p:transition>
+    </mc:Fallback>
+  </mc:AlternateContent>
 </p:sld>
 </file>
 
@@ -6173,12 +6199,14 @@
           </a:xfrm>
         </p:spPr>
         <p:txBody>
-          <a:bodyPr/>
+          <a:bodyPr>
+            <a:normAutofit/>
+          </a:bodyPr>
           <a:lstStyle/>
           <a:p>
             <a:r>
               <a:rPr lang="fr-FR" dirty="0"/>
-              <a:t>Diagramme de classe</a:t>
+              <a:t>Diagramme de Séquence</a:t>
             </a:r>
           </a:p>
         </p:txBody>
@@ -6221,10 +6249,10 @@
       </p:pic>
       <p:pic>
         <p:nvPicPr>
-          <p:cNvPr id="9" name="Image 8">
+          <p:cNvPr id="4" name="Image 3">
             <a:extLst>
               <a:ext uri="{FF2B5EF4-FFF2-40B4-BE49-F238E27FC236}">
-                <a16:creationId xmlns:a16="http://schemas.microsoft.com/office/drawing/2014/main" id="{39339F2F-A066-49CF-90E8-516583C9509C}"/>
+                <a16:creationId xmlns:a16="http://schemas.microsoft.com/office/drawing/2014/main" id="{0EB27886-F902-4F3A-AD43-88528603FC64}"/>
               </a:ext>
             </a:extLst>
           </p:cNvPr>
@@ -6247,8 +6275,8 @@
         </p:blipFill>
         <p:spPr>
           <a:xfrm>
-            <a:off x="2000381" y="1059633"/>
-            <a:ext cx="8151727" cy="5063063"/>
+            <a:off x="1878432" y="1059633"/>
+            <a:ext cx="8395625" cy="5063063"/>
           </a:xfrm>
           <a:prstGeom prst="rect">
             <a:avLst/>
@@ -6258,13 +6286,25 @@
     </p:spTree>
     <p:extLst>
       <p:ext uri="{BB962C8B-B14F-4D97-AF65-F5344CB8AC3E}">
-        <p14:creationId xmlns:p14="http://schemas.microsoft.com/office/powerpoint/2010/main" val="4032526889"/>
+        <p14:creationId xmlns:p14="http://schemas.microsoft.com/office/powerpoint/2010/main" val="2135174011"/>
       </p:ext>
     </p:extLst>
   </p:cSld>
   <p:clrMapOvr>
     <a:masterClrMapping/>
   </p:clrMapOvr>
+  <mc:AlternateContent xmlns:mc="http://schemas.openxmlformats.org/markup-compatibility/2006">
+    <mc:Choice xmlns:p14="http://schemas.microsoft.com/office/powerpoint/2010/main" Requires="p14">
+      <p:transition p14:dur="250">
+        <p:wipe/>
+      </p:transition>
+    </mc:Choice>
+    <mc:Fallback>
+      <p:transition>
+        <p:wipe/>
+      </p:transition>
+    </mc:Fallback>
+  </mc:AlternateContent>
 </p:sld>
 </file>
 
@@ -6301,7 +6341,308 @@
             <p:ph type="title"/>
           </p:nvPr>
         </p:nvSpPr>
-        <p:spPr/>
+        <p:spPr>
+          <a:xfrm>
+            <a:off x="1123246" y="337738"/>
+            <a:ext cx="9905998" cy="721895"/>
+          </a:xfrm>
+        </p:spPr>
+        <p:txBody>
+          <a:bodyPr>
+            <a:normAutofit/>
+          </a:bodyPr>
+          <a:lstStyle/>
+          <a:p>
+            <a:r>
+              <a:rPr lang="fr-FR" dirty="0"/>
+              <a:t>Diagramme de Séquence</a:t>
+            </a:r>
+          </a:p>
+        </p:txBody>
+      </p:sp>
+      <p:pic>
+        <p:nvPicPr>
+          <p:cNvPr id="6" name="Image 5">
+            <a:extLst>
+              <a:ext uri="{FF2B5EF4-FFF2-40B4-BE49-F238E27FC236}">
+                <a16:creationId xmlns:a16="http://schemas.microsoft.com/office/drawing/2014/main" id="{F03CEA8B-2056-4FED-A6A0-20A9EFF96191}"/>
+              </a:ext>
+            </a:extLst>
+          </p:cNvPr>
+          <p:cNvPicPr>
+            <a:picLocks noChangeAspect="1"/>
+          </p:cNvPicPr>
+          <p:nvPr/>
+        </p:nvPicPr>
+        <p:blipFill>
+          <a:blip r:embed="rId2">
+            <a:extLst>
+              <a:ext uri="{28A0092B-C50C-407E-A947-70E740481C1C}">
+                <a14:useLocalDpi xmlns:a14="http://schemas.microsoft.com/office/drawing/2010/main" val="0"/>
+              </a:ext>
+            </a:extLst>
+          </a:blip>
+          <a:stretch>
+            <a:fillRect/>
+          </a:stretch>
+        </p:blipFill>
+        <p:spPr>
+          <a:xfrm>
+            <a:off x="9866489" y="6122696"/>
+            <a:ext cx="2325511" cy="735304"/>
+          </a:xfrm>
+          <a:prstGeom prst="rect">
+            <a:avLst/>
+          </a:prstGeom>
+        </p:spPr>
+      </p:pic>
+      <p:pic>
+        <p:nvPicPr>
+          <p:cNvPr id="5" name="Image 4">
+            <a:extLst>
+              <a:ext uri="{FF2B5EF4-FFF2-40B4-BE49-F238E27FC236}">
+                <a16:creationId xmlns:a16="http://schemas.microsoft.com/office/drawing/2014/main" id="{BF13AF4D-5FCD-4F2A-8B2B-5EA4DA039F31}"/>
+              </a:ext>
+            </a:extLst>
+          </p:cNvPr>
+          <p:cNvPicPr>
+            <a:picLocks noChangeAspect="1"/>
+          </p:cNvPicPr>
+          <p:nvPr/>
+        </p:nvPicPr>
+        <p:blipFill>
+          <a:blip r:embed="rId3">
+            <a:extLst>
+              <a:ext uri="{28A0092B-C50C-407E-A947-70E740481C1C}">
+                <a14:useLocalDpi xmlns:a14="http://schemas.microsoft.com/office/drawing/2010/main" val="0"/>
+              </a:ext>
+            </a:extLst>
+          </a:blip>
+          <a:stretch>
+            <a:fillRect/>
+          </a:stretch>
+        </p:blipFill>
+        <p:spPr>
+          <a:xfrm>
+            <a:off x="1933738" y="1059633"/>
+            <a:ext cx="8285013" cy="5063063"/>
+          </a:xfrm>
+          <a:prstGeom prst="rect">
+            <a:avLst/>
+          </a:prstGeom>
+        </p:spPr>
+      </p:pic>
+    </p:spTree>
+    <p:extLst>
+      <p:ext uri="{BB962C8B-B14F-4D97-AF65-F5344CB8AC3E}">
+        <p14:creationId xmlns:p14="http://schemas.microsoft.com/office/powerpoint/2010/main" val="2723997639"/>
+      </p:ext>
+    </p:extLst>
+  </p:cSld>
+  <p:clrMapOvr>
+    <a:masterClrMapping/>
+  </p:clrMapOvr>
+  <mc:AlternateContent xmlns:mc="http://schemas.openxmlformats.org/markup-compatibility/2006">
+    <mc:Choice xmlns:p14="http://schemas.microsoft.com/office/powerpoint/2010/main" Requires="p14">
+      <p:transition p14:dur="250">
+        <p:wipe/>
+      </p:transition>
+    </mc:Choice>
+    <mc:Fallback>
+      <p:transition>
+        <p:wipe/>
+      </p:transition>
+    </mc:Fallback>
+  </mc:AlternateContent>
+</p:sld>
+</file>
+
+<file path=ppt/slides/slide13.xml><?xml version="1.0" encoding="utf-8"?>
+<p:sld xmlns:a="http://schemas.openxmlformats.org/drawingml/2006/main" xmlns:r="http://schemas.openxmlformats.org/officeDocument/2006/relationships" xmlns:p="http://schemas.openxmlformats.org/presentationml/2006/main">
+  <p:cSld>
+    <p:spTree>
+      <p:nvGrpSpPr>
+        <p:cNvPr id="1" name=""/>
+        <p:cNvGrpSpPr/>
+        <p:nvPr/>
+      </p:nvGrpSpPr>
+      <p:grpSpPr>
+        <a:xfrm>
+          <a:off x="0" y="0"/>
+          <a:ext cx="0" cy="0"/>
+          <a:chOff x="0" y="0"/>
+          <a:chExt cx="0" cy="0"/>
+        </a:xfrm>
+      </p:grpSpPr>
+      <p:sp>
+        <p:nvSpPr>
+          <p:cNvPr id="2" name="Titre 1">
+            <a:extLst>
+              <a:ext uri="{FF2B5EF4-FFF2-40B4-BE49-F238E27FC236}">
+                <a16:creationId xmlns:a16="http://schemas.microsoft.com/office/drawing/2014/main" id="{71F52973-9E34-4B64-BFE4-2E42711F3666}"/>
+              </a:ext>
+            </a:extLst>
+          </p:cNvPr>
+          <p:cNvSpPr>
+            <a:spLocks noGrp="1"/>
+          </p:cNvSpPr>
+          <p:nvPr>
+            <p:ph type="title"/>
+          </p:nvPr>
+        </p:nvSpPr>
+        <p:spPr>
+          <a:xfrm>
+            <a:off x="1123246" y="337738"/>
+            <a:ext cx="9905998" cy="721895"/>
+          </a:xfrm>
+        </p:spPr>
+        <p:txBody>
+          <a:bodyPr/>
+          <a:lstStyle/>
+          <a:p>
+            <a:r>
+              <a:rPr lang="fr-FR" dirty="0"/>
+              <a:t>Diagramme de classes</a:t>
+            </a:r>
+          </a:p>
+        </p:txBody>
+      </p:sp>
+      <p:pic>
+        <p:nvPicPr>
+          <p:cNvPr id="6" name="Image 5">
+            <a:extLst>
+              <a:ext uri="{FF2B5EF4-FFF2-40B4-BE49-F238E27FC236}">
+                <a16:creationId xmlns:a16="http://schemas.microsoft.com/office/drawing/2014/main" id="{F03CEA8B-2056-4FED-A6A0-20A9EFF96191}"/>
+              </a:ext>
+            </a:extLst>
+          </p:cNvPr>
+          <p:cNvPicPr>
+            <a:picLocks noChangeAspect="1"/>
+          </p:cNvPicPr>
+          <p:nvPr/>
+        </p:nvPicPr>
+        <p:blipFill>
+          <a:blip r:embed="rId2">
+            <a:extLst>
+              <a:ext uri="{28A0092B-C50C-407E-A947-70E740481C1C}">
+                <a14:useLocalDpi xmlns:a14="http://schemas.microsoft.com/office/drawing/2010/main" val="0"/>
+              </a:ext>
+            </a:extLst>
+          </a:blip>
+          <a:stretch>
+            <a:fillRect/>
+          </a:stretch>
+        </p:blipFill>
+        <p:spPr>
+          <a:xfrm>
+            <a:off x="9866489" y="6122696"/>
+            <a:ext cx="2325511" cy="735304"/>
+          </a:xfrm>
+          <a:prstGeom prst="rect">
+            <a:avLst/>
+          </a:prstGeom>
+        </p:spPr>
+      </p:pic>
+      <p:pic>
+        <p:nvPicPr>
+          <p:cNvPr id="9" name="Image 8">
+            <a:extLst>
+              <a:ext uri="{FF2B5EF4-FFF2-40B4-BE49-F238E27FC236}">
+                <a16:creationId xmlns:a16="http://schemas.microsoft.com/office/drawing/2014/main" id="{39339F2F-A066-49CF-90E8-516583C9509C}"/>
+              </a:ext>
+            </a:extLst>
+          </p:cNvPr>
+          <p:cNvPicPr>
+            <a:picLocks noChangeAspect="1"/>
+          </p:cNvPicPr>
+          <p:nvPr/>
+        </p:nvPicPr>
+        <p:blipFill>
+          <a:blip r:embed="rId3">
+            <a:extLst>
+              <a:ext uri="{28A0092B-C50C-407E-A947-70E740481C1C}">
+                <a14:useLocalDpi xmlns:a14="http://schemas.microsoft.com/office/drawing/2010/main" val="0"/>
+              </a:ext>
+            </a:extLst>
+          </a:blip>
+          <a:stretch>
+            <a:fillRect/>
+          </a:stretch>
+        </p:blipFill>
+        <p:spPr>
+          <a:xfrm>
+            <a:off x="2000381" y="1059633"/>
+            <a:ext cx="8151727" cy="5063063"/>
+          </a:xfrm>
+          <a:prstGeom prst="rect">
+            <a:avLst/>
+          </a:prstGeom>
+        </p:spPr>
+      </p:pic>
+    </p:spTree>
+    <p:extLst>
+      <p:ext uri="{BB962C8B-B14F-4D97-AF65-F5344CB8AC3E}">
+        <p14:creationId xmlns:p14="http://schemas.microsoft.com/office/powerpoint/2010/main" val="4032526889"/>
+      </p:ext>
+    </p:extLst>
+  </p:cSld>
+  <p:clrMapOvr>
+    <a:masterClrMapping/>
+  </p:clrMapOvr>
+  <mc:AlternateContent xmlns:mc="http://schemas.openxmlformats.org/markup-compatibility/2006">
+    <mc:Choice xmlns:p14="http://schemas.microsoft.com/office/powerpoint/2010/main" Requires="p14">
+      <p:transition p14:dur="250">
+        <p:wipe/>
+      </p:transition>
+    </mc:Choice>
+    <mc:Fallback>
+      <p:transition>
+        <p:wipe/>
+      </p:transition>
+    </mc:Fallback>
+  </mc:AlternateContent>
+</p:sld>
+</file>
+
+<file path=ppt/slides/slide14.xml><?xml version="1.0" encoding="utf-8"?>
+<p:sld xmlns:a="http://schemas.openxmlformats.org/drawingml/2006/main" xmlns:r="http://schemas.openxmlformats.org/officeDocument/2006/relationships" xmlns:p="http://schemas.openxmlformats.org/presentationml/2006/main">
+  <p:cSld>
+    <p:spTree>
+      <p:nvGrpSpPr>
+        <p:cNvPr id="1" name=""/>
+        <p:cNvGrpSpPr/>
+        <p:nvPr/>
+      </p:nvGrpSpPr>
+      <p:grpSpPr>
+        <a:xfrm>
+          <a:off x="0" y="0"/>
+          <a:ext cx="0" cy="0"/>
+          <a:chOff x="0" y="0"/>
+          <a:chExt cx="0" cy="0"/>
+        </a:xfrm>
+      </p:grpSpPr>
+      <p:sp>
+        <p:nvSpPr>
+          <p:cNvPr id="2" name="Titre 1">
+            <a:extLst>
+              <a:ext uri="{FF2B5EF4-FFF2-40B4-BE49-F238E27FC236}">
+                <a16:creationId xmlns:a16="http://schemas.microsoft.com/office/drawing/2014/main" id="{71F52973-9E34-4B64-BFE4-2E42711F3666}"/>
+              </a:ext>
+            </a:extLst>
+          </p:cNvPr>
+          <p:cNvSpPr>
+            <a:spLocks noGrp="1"/>
+          </p:cNvSpPr>
+          <p:nvPr>
+            <p:ph type="title"/>
+          </p:nvPr>
+        </p:nvSpPr>
+        <p:spPr>
+          <a:xfrm>
+            <a:off x="1141413" y="609600"/>
+            <a:ext cx="9905998" cy="877294"/>
+          </a:xfrm>
+        </p:spPr>
         <p:txBody>
           <a:bodyPr/>
           <a:lstStyle/>
@@ -6395,6 +6736,18 @@
   <p:clrMapOvr>
     <a:masterClrMapping/>
   </p:clrMapOvr>
+  <mc:AlternateContent xmlns:mc="http://schemas.openxmlformats.org/markup-compatibility/2006">
+    <mc:Choice xmlns:p14="http://schemas.microsoft.com/office/powerpoint/2010/main" Requires="p14">
+      <p:transition p14:dur="250">
+        <p:wipe/>
+      </p:transition>
+    </mc:Choice>
+    <mc:Fallback>
+      <p:transition>
+        <p:wipe/>
+      </p:transition>
+    </mc:Fallback>
+  </mc:AlternateContent>
 </p:sld>
 </file>
 
@@ -6570,8 +6923,8 @@
         </p:nvSpPr>
         <p:spPr>
           <a:xfrm>
-            <a:off x="8348839" y="1378084"/>
-            <a:ext cx="3035300" cy="461665"/>
+            <a:off x="8301162" y="1378084"/>
+            <a:ext cx="3082977" cy="461665"/>
           </a:xfrm>
           <a:prstGeom prst="rect">
             <a:avLst/>
@@ -6586,7 +6939,7 @@
           <a:p>
             <a:r>
               <a:rPr lang="fr-FR" sz="2400" dirty="0"/>
-              <a:t>Logiciels personnel</a:t>
+              <a:t>Logiciels personnels</a:t>
             </a:r>
             <a:endParaRPr lang="fr-FR" dirty="0"/>
           </a:p>
@@ -6622,7 +6975,7 @@
           <a:p>
             <a:r>
               <a:rPr lang="fr-FR" sz="2400" dirty="0"/>
-              <a:t>Logiciels commun</a:t>
+              <a:t>Logiciels communs</a:t>
             </a:r>
             <a:endParaRPr lang="fr-FR" dirty="0"/>
           </a:p>
@@ -6966,7 +7319,7 @@
         <p:spPr>
           <a:xfrm>
             <a:off x="2025196" y="4286607"/>
-            <a:ext cx="1494320" cy="646331"/>
+            <a:ext cx="1415772" cy="646331"/>
           </a:xfrm>
           <a:prstGeom prst="rect">
             <a:avLst/>
@@ -6981,13 +7334,13 @@
           <a:p>
             <a:r>
               <a:rPr lang="fr-FR" dirty="0"/>
-              <a:t>Trello : Suivit</a:t>
+              <a:t>Trello : Suivi</a:t>
             </a:r>
           </a:p>
           <a:p>
             <a:r>
               <a:rPr lang="fr-FR" dirty="0"/>
-              <a:t>des taches</a:t>
+              <a:t>des tâches</a:t>
             </a:r>
           </a:p>
         </p:txBody>
@@ -7006,8 +7359,8 @@
         </p:nvSpPr>
         <p:spPr>
           <a:xfrm>
-            <a:off x="7162502" y="3281501"/>
-            <a:ext cx="3153427" cy="646331"/>
+            <a:off x="8753200" y="3420001"/>
+            <a:ext cx="1582484" cy="369332"/>
           </a:xfrm>
           <a:prstGeom prst="rect">
             <a:avLst/>
@@ -7023,14 +7376,7 @@
             <a:pPr algn="r"/>
             <a:r>
               <a:rPr lang="fr-FR" dirty="0"/>
-              <a:t>Visual Studio : Création du</a:t>
-            </a:r>
-          </a:p>
-          <a:p>
-            <a:pPr algn="r"/>
-            <a:r>
-              <a:rPr lang="fr-FR" dirty="0"/>
-              <a:t>prototype de l’application</a:t>
+              <a:t>Visual Studio</a:t>
             </a:r>
           </a:p>
         </p:txBody>
@@ -7045,6 +7391,18 @@
   <p:clrMapOvr>
     <a:masterClrMapping/>
   </p:clrMapOvr>
+  <mc:AlternateContent xmlns:mc="http://schemas.openxmlformats.org/markup-compatibility/2006">
+    <mc:Choice xmlns:p14="http://schemas.microsoft.com/office/powerpoint/2010/main" Requires="p14">
+      <p:transition p14:dur="250">
+        <p:wipe/>
+      </p:transition>
+    </mc:Choice>
+    <mc:Fallback>
+      <p:transition>
+        <p:wipe/>
+      </p:transition>
+    </mc:Fallback>
+  </mc:AlternateContent>
 </p:sld>
 </file>
 
@@ -7095,7 +7453,7 @@
           <a:p>
             <a:r>
               <a:rPr lang="fr-FR" dirty="0"/>
-              <a:t>Planning des taches</a:t>
+              <a:t>Planning des tâches</a:t>
             </a:r>
           </a:p>
         </p:txBody>
@@ -7212,6 +7570,18 @@
   <p:clrMapOvr>
     <a:masterClrMapping/>
   </p:clrMapOvr>
+  <mc:AlternateContent xmlns:mc="http://schemas.openxmlformats.org/markup-compatibility/2006">
+    <mc:Choice xmlns:p14="http://schemas.microsoft.com/office/powerpoint/2010/main" Requires="p14">
+      <p:transition p14:dur="250">
+        <p:wipe/>
+      </p:transition>
+    </mc:Choice>
+    <mc:Fallback>
+      <p:transition>
+        <p:wipe/>
+      </p:transition>
+    </mc:Fallback>
+  </mc:AlternateContent>
 </p:sld>
 </file>
 
@@ -7232,47 +7602,12 @@
           <a:chExt cx="0" cy="0"/>
         </a:xfrm>
       </p:grpSpPr>
-      <p:sp>
-        <p:nvSpPr>
-          <p:cNvPr id="2" name="Titre 1">
-            <a:extLst>
-              <a:ext uri="{FF2B5EF4-FFF2-40B4-BE49-F238E27FC236}">
-                <a16:creationId xmlns:a16="http://schemas.microsoft.com/office/drawing/2014/main" id="{98C08574-A24D-43A7-8128-4E99DCE46F1C}"/>
-              </a:ext>
-            </a:extLst>
-          </p:cNvPr>
-          <p:cNvSpPr>
-            <a:spLocks noGrp="1"/>
-          </p:cNvSpPr>
-          <p:nvPr>
-            <p:ph type="title"/>
-          </p:nvPr>
-        </p:nvSpPr>
-        <p:spPr>
-          <a:xfrm>
-            <a:off x="1123246" y="417095"/>
-            <a:ext cx="9905998" cy="678315"/>
-          </a:xfrm>
-        </p:spPr>
-        <p:txBody>
-          <a:bodyPr>
-            <a:normAutofit/>
-          </a:bodyPr>
-          <a:lstStyle/>
-          <a:p>
-            <a:r>
-              <a:rPr lang="fr-FR" dirty="0"/>
-              <a:t>Diagramme de classe général</a:t>
-            </a:r>
-          </a:p>
-        </p:txBody>
-      </p:sp>
       <p:pic>
         <p:nvPicPr>
-          <p:cNvPr id="6" name="Image 5">
+          <p:cNvPr id="3" name="Image 2">
             <a:extLst>
               <a:ext uri="{FF2B5EF4-FFF2-40B4-BE49-F238E27FC236}">
-                <a16:creationId xmlns:a16="http://schemas.microsoft.com/office/drawing/2014/main" id="{BD23566E-974C-4903-9CA9-A71684C878CE}"/>
+                <a16:creationId xmlns:a16="http://schemas.microsoft.com/office/drawing/2014/main" id="{552AADF7-322B-4CE2-B408-3CA33DBA1B50}"/>
               </a:ext>
             </a:extLst>
           </p:cNvPr>
@@ -7282,21 +7617,15 @@
           <p:nvPr/>
         </p:nvPicPr>
         <p:blipFill>
-          <a:blip r:embed="rId2">
-            <a:extLst>
-              <a:ext uri="{28A0092B-C50C-407E-A947-70E740481C1C}">
-                <a14:useLocalDpi xmlns:a14="http://schemas.microsoft.com/office/drawing/2010/main" val="0"/>
-              </a:ext>
-            </a:extLst>
-          </a:blip>
+          <a:blip r:embed="rId2"/>
           <a:stretch>
             <a:fillRect/>
           </a:stretch>
         </p:blipFill>
         <p:spPr>
           <a:xfrm>
-            <a:off x="9866489" y="6122696"/>
-            <a:ext cx="2325511" cy="735304"/>
+            <a:off x="2495395" y="1095215"/>
+            <a:ext cx="7161698" cy="5619985"/>
           </a:xfrm>
           <a:prstGeom prst="rect">
             <a:avLst/>
@@ -7305,69 +7634,45 @@
       </p:pic>
       <p:sp>
         <p:nvSpPr>
-          <p:cNvPr id="16" name="ZoneTexte 15">
+          <p:cNvPr id="2" name="Titre 1">
             <a:extLst>
               <a:ext uri="{FF2B5EF4-FFF2-40B4-BE49-F238E27FC236}">
-                <a16:creationId xmlns:a16="http://schemas.microsoft.com/office/drawing/2014/main" id="{76B34AE9-AFA3-48D0-9A7A-1CE21BD50CE8}"/>
+                <a16:creationId xmlns:a16="http://schemas.microsoft.com/office/drawing/2014/main" id="{98C08574-A24D-43A7-8128-4E99DCE46F1C}"/>
               </a:ext>
             </a:extLst>
           </p:cNvPr>
-          <p:cNvSpPr txBox="1"/>
-          <p:nvPr/>
-        </p:nvSpPr>
-        <p:spPr>
-          <a:xfrm>
-            <a:off x="1080141" y="2685723"/>
-            <a:ext cx="1301959" cy="1200329"/>
-          </a:xfrm>
-          <a:prstGeom prst="rect">
-            <a:avLst/>
-          </a:prstGeom>
-          <a:noFill/>
-        </p:spPr>
-        <p:txBody>
-          <a:bodyPr wrap="none" rtlCol="0">
-            <a:spAutoFit/>
+          <p:cNvSpPr>
+            <a:spLocks noGrp="1"/>
+          </p:cNvSpPr>
+          <p:nvPr>
+            <p:ph type="title"/>
+          </p:nvPr>
+        </p:nvSpPr>
+        <p:spPr>
+          <a:xfrm>
+            <a:off x="1123246" y="417095"/>
+            <a:ext cx="9905998" cy="678315"/>
+          </a:xfrm>
+        </p:spPr>
+        <p:txBody>
+          <a:bodyPr>
+            <a:normAutofit/>
           </a:bodyPr>
           <a:lstStyle/>
           <a:p>
             <a:r>
-              <a:rPr lang="fr-FR" sz="2400" b="1" dirty="0">
-                <a:solidFill>
-                  <a:srgbClr val="00CC66"/>
-                </a:solidFill>
-              </a:rPr>
-              <a:t>Alan</a:t>
-            </a:r>
-          </a:p>
-          <a:p>
-            <a:r>
-              <a:rPr lang="fr-FR" sz="2400" dirty="0">
-                <a:solidFill>
-                  <a:srgbClr val="FF7C80"/>
-                </a:solidFill>
-              </a:rPr>
-              <a:t>Arnaud</a:t>
-            </a:r>
-          </a:p>
-          <a:p>
-            <a:r>
-              <a:rPr lang="fr-FR" sz="2400" dirty="0">
-                <a:solidFill>
-                  <a:srgbClr val="0099FF"/>
-                </a:solidFill>
-              </a:rPr>
-              <a:t>Killian</a:t>
+              <a:rPr lang="fr-FR" dirty="0"/>
+              <a:t>Diagramme de classe général</a:t>
             </a:r>
           </a:p>
         </p:txBody>
       </p:sp>
       <p:pic>
         <p:nvPicPr>
-          <p:cNvPr id="18" name="Image 17">
+          <p:cNvPr id="6" name="Image 5">
             <a:extLst>
               <a:ext uri="{FF2B5EF4-FFF2-40B4-BE49-F238E27FC236}">
-                <a16:creationId xmlns:a16="http://schemas.microsoft.com/office/drawing/2014/main" id="{85860D36-8B37-4641-AB2F-952B6AED4366}"/>
+                <a16:creationId xmlns:a16="http://schemas.microsoft.com/office/drawing/2014/main" id="{BD23566E-974C-4903-9CA9-A71684C878CE}"/>
               </a:ext>
             </a:extLst>
           </p:cNvPr>
@@ -7390,24 +7695,95 @@
         </p:blipFill>
         <p:spPr>
           <a:xfrm>
-            <a:off x="2759983" y="1095410"/>
-            <a:ext cx="6632523" cy="5619594"/>
+            <a:off x="9866489" y="6122696"/>
+            <a:ext cx="2325511" cy="735304"/>
           </a:xfrm>
           <a:prstGeom prst="rect">
             <a:avLst/>
           </a:prstGeom>
         </p:spPr>
       </p:pic>
+      <p:sp>
+        <p:nvSpPr>
+          <p:cNvPr id="16" name="ZoneTexte 15">
+            <a:extLst>
+              <a:ext uri="{FF2B5EF4-FFF2-40B4-BE49-F238E27FC236}">
+                <a16:creationId xmlns:a16="http://schemas.microsoft.com/office/drawing/2014/main" id="{76B34AE9-AFA3-48D0-9A7A-1CE21BD50CE8}"/>
+              </a:ext>
+            </a:extLst>
+          </p:cNvPr>
+          <p:cNvSpPr txBox="1"/>
+          <p:nvPr/>
+        </p:nvSpPr>
+        <p:spPr>
+          <a:xfrm>
+            <a:off x="1080141" y="2685723"/>
+            <a:ext cx="1301959" cy="1200329"/>
+          </a:xfrm>
+          <a:prstGeom prst="rect">
+            <a:avLst/>
+          </a:prstGeom>
+          <a:noFill/>
+        </p:spPr>
+        <p:txBody>
+          <a:bodyPr wrap="none" rtlCol="0">
+            <a:spAutoFit/>
+          </a:bodyPr>
+          <a:lstStyle/>
+          <a:p>
+            <a:r>
+              <a:rPr lang="fr-FR" sz="2400" b="1" dirty="0">
+                <a:solidFill>
+                  <a:srgbClr val="00CC66"/>
+                </a:solidFill>
+              </a:rPr>
+              <a:t>Alan</a:t>
+            </a:r>
+          </a:p>
+          <a:p>
+            <a:r>
+              <a:rPr lang="fr-FR" sz="2400" dirty="0">
+                <a:solidFill>
+                  <a:srgbClr val="FF7C80"/>
+                </a:solidFill>
+              </a:rPr>
+              <a:t>Arnaud</a:t>
+            </a:r>
+          </a:p>
+          <a:p>
+            <a:r>
+              <a:rPr lang="fr-FR" sz="2400" dirty="0">
+                <a:solidFill>
+                  <a:srgbClr val="0099FF"/>
+                </a:solidFill>
+              </a:rPr>
+              <a:t>Killian</a:t>
+            </a:r>
+          </a:p>
+        </p:txBody>
+      </p:sp>
     </p:spTree>
     <p:extLst>
       <p:ext uri="{BB962C8B-B14F-4D97-AF65-F5344CB8AC3E}">
-        <p14:creationId xmlns:p14="http://schemas.microsoft.com/office/powerpoint/2010/main" val="1412947917"/>
+        <p14:creationId xmlns:p14="http://schemas.microsoft.com/office/powerpoint/2010/main" val="809470974"/>
       </p:ext>
     </p:extLst>
   </p:cSld>
   <p:clrMapOvr>
     <a:masterClrMapping/>
   </p:clrMapOvr>
+  <mc:AlternateContent xmlns:mc="http://schemas.openxmlformats.org/markup-compatibility/2006">
+    <mc:Choice xmlns:p14="http://schemas.microsoft.com/office/powerpoint/2010/main" Requires="p14">
+      <p:transition p14:dur="250">
+        <p:wipe/>
+      </p:transition>
+    </mc:Choice>
+    <mc:Fallback>
+      <p:transition>
+        <p:wipe/>
+      </p:transition>
+    </mc:Fallback>
+  </mc:AlternateContent>
 </p:sld>
 </file>
 
@@ -7430,10 +7806,10 @@
       </p:grpSpPr>
       <p:pic>
         <p:nvPicPr>
-          <p:cNvPr id="5" name="Image 4">
+          <p:cNvPr id="15" name="Image 14">
             <a:extLst>
               <a:ext uri="{FF2B5EF4-FFF2-40B4-BE49-F238E27FC236}">
-                <a16:creationId xmlns:a16="http://schemas.microsoft.com/office/drawing/2014/main" id="{835E82E0-4789-488F-B982-3D411C8FBF22}"/>
+                <a16:creationId xmlns:a16="http://schemas.microsoft.com/office/drawing/2014/main" id="{446AFDFE-5DD3-409B-9782-23AD1FF406F1}"/>
               </a:ext>
             </a:extLst>
           </p:cNvPr>
@@ -7443,15 +7819,21 @@
           <p:nvPr/>
         </p:nvPicPr>
         <p:blipFill>
-          <a:blip r:embed="rId2"/>
+          <a:blip r:embed="rId2">
+            <a:extLst>
+              <a:ext uri="{28A0092B-C50C-407E-A947-70E740481C1C}">
+                <a14:useLocalDpi xmlns:a14="http://schemas.microsoft.com/office/drawing/2010/main" val="0"/>
+              </a:ext>
+            </a:extLst>
+          </a:blip>
           <a:stretch>
             <a:fillRect/>
           </a:stretch>
         </p:blipFill>
         <p:spPr>
           <a:xfrm>
-            <a:off x="7263497" y="1059632"/>
-            <a:ext cx="4460159" cy="2975951"/>
+            <a:off x="287415" y="1095409"/>
+            <a:ext cx="6606215" cy="2760973"/>
           </a:xfrm>
           <a:prstGeom prst="rect">
             <a:avLst/>
@@ -7463,7 +7845,7 @@
           <p:cNvPr id="2" name="Titre 1">
             <a:extLst>
               <a:ext uri="{FF2B5EF4-FFF2-40B4-BE49-F238E27FC236}">
-                <a16:creationId xmlns:a16="http://schemas.microsoft.com/office/drawing/2014/main" id="{71F52973-9E34-4B64-BFE4-2E42711F3666}"/>
+                <a16:creationId xmlns:a16="http://schemas.microsoft.com/office/drawing/2014/main" id="{98C08574-A24D-43A7-8128-4E99DCE46F1C}"/>
               </a:ext>
             </a:extLst>
           </p:cNvPr>
@@ -7476,17 +7858,19 @@
         </p:nvSpPr>
         <p:spPr>
           <a:xfrm>
-            <a:off x="1123246" y="337738"/>
-            <a:ext cx="9905998" cy="721895"/>
-          </a:xfrm>
-        </p:spPr>
-        <p:txBody>
-          <a:bodyPr/>
+            <a:off x="1123246" y="417095"/>
+            <a:ext cx="9905998" cy="678315"/>
+          </a:xfrm>
+        </p:spPr>
+        <p:txBody>
+          <a:bodyPr>
+            <a:normAutofit/>
+          </a:bodyPr>
           <a:lstStyle/>
           <a:p>
             <a:r>
               <a:rPr lang="fr-FR" dirty="0"/>
-              <a:t>Prototype d’interface</a:t>
+              <a:t>Diagrammes de séquences</a:t>
             </a:r>
           </a:p>
         </p:txBody>
@@ -7496,7 +7880,7 @@
           <p:cNvPr id="6" name="Image 5">
             <a:extLst>
               <a:ext uri="{FF2B5EF4-FFF2-40B4-BE49-F238E27FC236}">
-                <a16:creationId xmlns:a16="http://schemas.microsoft.com/office/drawing/2014/main" id="{F03CEA8B-2056-4FED-A6A0-20A9EFF96191}"/>
+                <a16:creationId xmlns:a16="http://schemas.microsoft.com/office/drawing/2014/main" id="{BD23566E-974C-4903-9CA9-A71684C878CE}"/>
               </a:ext>
             </a:extLst>
           </p:cNvPr>
@@ -7529,10 +7913,10 @@
       </p:pic>
       <p:pic>
         <p:nvPicPr>
-          <p:cNvPr id="3" name="Image 2">
+          <p:cNvPr id="9" name="Image 8">
             <a:extLst>
               <a:ext uri="{FF2B5EF4-FFF2-40B4-BE49-F238E27FC236}">
-                <a16:creationId xmlns:a16="http://schemas.microsoft.com/office/drawing/2014/main" id="{CB71235A-5E66-4C1E-9EB2-49883238CCF2}"/>
+                <a16:creationId xmlns:a16="http://schemas.microsoft.com/office/drawing/2014/main" id="{41BCCE6A-D5D6-472A-A6BD-648A50E662C2}"/>
               </a:ext>
             </a:extLst>
           </p:cNvPr>
@@ -7542,91 +7926,59 @@
           <p:nvPr/>
         </p:nvPicPr>
         <p:blipFill>
-          <a:blip r:embed="rId4"/>
+          <a:blip r:embed="rId4">
+            <a:extLst>
+              <a:ext uri="{28A0092B-C50C-407E-A947-70E740481C1C}">
+                <a14:useLocalDpi xmlns:a14="http://schemas.microsoft.com/office/drawing/2010/main" val="0"/>
+              </a:ext>
+            </a:extLst>
+          </a:blip>
           <a:stretch>
             <a:fillRect/>
           </a:stretch>
         </p:blipFill>
         <p:spPr>
           <a:xfrm>
-            <a:off x="432683" y="1059632"/>
-            <a:ext cx="4460159" cy="2975951"/>
+            <a:off x="4921910" y="3051770"/>
+            <a:ext cx="7119489" cy="3070926"/>
           </a:xfrm>
           <a:prstGeom prst="rect">
             <a:avLst/>
           </a:prstGeom>
-        </p:spPr>
-      </p:pic>
-      <p:pic>
-        <p:nvPicPr>
-          <p:cNvPr id="4" name="Image 3">
-            <a:extLst>
-              <a:ext uri="{FF2B5EF4-FFF2-40B4-BE49-F238E27FC236}">
-                <a16:creationId xmlns:a16="http://schemas.microsoft.com/office/drawing/2014/main" id="{B18D5AFC-CF71-419A-B6F5-686363E534F3}"/>
-              </a:ext>
-            </a:extLst>
-          </p:cNvPr>
-          <p:cNvPicPr>
-            <a:picLocks noChangeAspect="1"/>
-          </p:cNvPicPr>
-          <p:nvPr/>
-        </p:nvPicPr>
-        <p:blipFill>
-          <a:blip r:embed="rId5"/>
-          <a:stretch>
-            <a:fillRect/>
-          </a:stretch>
-        </p:blipFill>
-        <p:spPr>
-          <a:xfrm>
-            <a:off x="3842399" y="2748201"/>
-            <a:ext cx="4467692" cy="2975950"/>
-          </a:xfrm>
-          <a:prstGeom prst="rect">
-            <a:avLst/>
-          </a:prstGeom>
-        </p:spPr>
-      </p:pic>
-      <p:pic>
-        <p:nvPicPr>
-          <p:cNvPr id="7" name="Image 6">
-            <a:extLst>
-              <a:ext uri="{FF2B5EF4-FFF2-40B4-BE49-F238E27FC236}">
-                <a16:creationId xmlns:a16="http://schemas.microsoft.com/office/drawing/2014/main" id="{DCEC112A-D254-4E53-A320-F7049034615B}"/>
-              </a:ext>
-            </a:extLst>
-          </p:cNvPr>
-          <p:cNvPicPr>
-            <a:picLocks noChangeAspect="1"/>
-          </p:cNvPicPr>
-          <p:nvPr/>
-        </p:nvPicPr>
-        <p:blipFill>
-          <a:blip r:embed="rId6"/>
-          <a:stretch>
-            <a:fillRect/>
-          </a:stretch>
-        </p:blipFill>
-        <p:spPr>
-          <a:xfrm>
-            <a:off x="428834" y="4656600"/>
-            <a:ext cx="3038475" cy="1685925"/>
-          </a:xfrm>
-          <a:prstGeom prst="rect">
-            <a:avLst/>
-          </a:prstGeom>
+          <a:ln>
+            <a:noFill/>
+          </a:ln>
+          <a:effectLst>
+            <a:outerShdw blurRad="190500" algn="tl" rotWithShape="0">
+              <a:srgbClr val="000000">
+                <a:alpha val="70000"/>
+              </a:srgbClr>
+            </a:outerShdw>
+          </a:effectLst>
         </p:spPr>
       </p:pic>
     </p:spTree>
     <p:extLst>
       <p:ext uri="{BB962C8B-B14F-4D97-AF65-F5344CB8AC3E}">
-        <p14:creationId xmlns:p14="http://schemas.microsoft.com/office/powerpoint/2010/main" val="3320768902"/>
+        <p14:creationId xmlns:p14="http://schemas.microsoft.com/office/powerpoint/2010/main" val="1412947917"/>
       </p:ext>
     </p:extLst>
   </p:cSld>
   <p:clrMapOvr>
     <a:masterClrMapping/>
   </p:clrMapOvr>
+  <mc:AlternateContent xmlns:mc="http://schemas.openxmlformats.org/markup-compatibility/2006">
+    <mc:Choice xmlns:p14="http://schemas.microsoft.com/office/powerpoint/2010/main" Requires="p14">
+      <p:transition p14:dur="250">
+        <p:wipe/>
+      </p:transition>
+    </mc:Choice>
+    <mc:Fallback>
+      <p:transition>
+        <p:wipe/>
+      </p:transition>
+    </mc:Fallback>
+  </mc:AlternateContent>
 </p:sld>
 </file>
 
@@ -7652,7 +8004,7 @@
           <p:cNvPr id="2" name="Titre 1">
             <a:extLst>
               <a:ext uri="{FF2B5EF4-FFF2-40B4-BE49-F238E27FC236}">
-                <a16:creationId xmlns:a16="http://schemas.microsoft.com/office/drawing/2014/main" id="{71F52973-9E34-4B64-BFE4-2E42711F3666}"/>
+                <a16:creationId xmlns:a16="http://schemas.microsoft.com/office/drawing/2014/main" id="{98C08574-A24D-43A7-8128-4E99DCE46F1C}"/>
               </a:ext>
             </a:extLst>
           </p:cNvPr>
@@ -7665,27 +8017,29 @@
         </p:nvSpPr>
         <p:spPr>
           <a:xfrm>
-            <a:off x="1141413" y="453442"/>
-            <a:ext cx="9905998" cy="641684"/>
-          </a:xfrm>
-        </p:spPr>
-        <p:txBody>
-          <a:bodyPr/>
+            <a:off x="1123246" y="417095"/>
+            <a:ext cx="9905998" cy="678315"/>
+          </a:xfrm>
+        </p:spPr>
+        <p:txBody>
+          <a:bodyPr>
+            <a:normAutofit/>
+          </a:bodyPr>
           <a:lstStyle/>
           <a:p>
             <a:r>
               <a:rPr lang="fr-FR" dirty="0"/>
-              <a:t>Diagramme de cas d’utilisation</a:t>
+              <a:t>Structure base de données</a:t>
             </a:r>
           </a:p>
         </p:txBody>
       </p:sp>
       <p:pic>
         <p:nvPicPr>
-          <p:cNvPr id="11" name="Image 10">
+          <p:cNvPr id="6" name="Image 5">
             <a:extLst>
               <a:ext uri="{FF2B5EF4-FFF2-40B4-BE49-F238E27FC236}">
-                <a16:creationId xmlns:a16="http://schemas.microsoft.com/office/drawing/2014/main" id="{8B910C28-E141-4676-961B-2155CC175E1D}"/>
+                <a16:creationId xmlns:a16="http://schemas.microsoft.com/office/drawing/2014/main" id="{BD23566E-974C-4903-9CA9-A71684C878CE}"/>
               </a:ext>
             </a:extLst>
           </p:cNvPr>
@@ -7718,10 +8072,10 @@
       </p:pic>
       <p:pic>
         <p:nvPicPr>
-          <p:cNvPr id="8" name="Image 7">
+          <p:cNvPr id="3" name="Image 2">
             <a:extLst>
               <a:ext uri="{FF2B5EF4-FFF2-40B4-BE49-F238E27FC236}">
-                <a16:creationId xmlns:a16="http://schemas.microsoft.com/office/drawing/2014/main" id="{2C447C5D-DF9A-4CC8-835D-EDCD16AC2970}"/>
+                <a16:creationId xmlns:a16="http://schemas.microsoft.com/office/drawing/2014/main" id="{8C52C54E-42A5-471F-89C7-CD8784571EC2}"/>
               </a:ext>
             </a:extLst>
           </p:cNvPr>
@@ -7731,21 +8085,15 @@
           <p:nvPr/>
         </p:nvPicPr>
         <p:blipFill>
-          <a:blip r:embed="rId3">
-            <a:extLst>
-              <a:ext uri="{28A0092B-C50C-407E-A947-70E740481C1C}">
-                <a14:useLocalDpi xmlns:a14="http://schemas.microsoft.com/office/drawing/2010/main" val="0"/>
-              </a:ext>
-            </a:extLst>
-          </a:blip>
+          <a:blip r:embed="rId3"/>
           <a:stretch>
             <a:fillRect/>
           </a:stretch>
         </p:blipFill>
         <p:spPr>
           <a:xfrm>
-            <a:off x="2810383" y="1095126"/>
-            <a:ext cx="6568058" cy="5305674"/>
+            <a:off x="2097439" y="1331063"/>
+            <a:ext cx="7957612" cy="4555979"/>
           </a:xfrm>
           <a:prstGeom prst="rect">
             <a:avLst/>
@@ -7755,13 +8103,25 @@
     </p:spTree>
     <p:extLst>
       <p:ext uri="{BB962C8B-B14F-4D97-AF65-F5344CB8AC3E}">
-        <p14:creationId xmlns:p14="http://schemas.microsoft.com/office/powerpoint/2010/main" val="1537114341"/>
+        <p14:creationId xmlns:p14="http://schemas.microsoft.com/office/powerpoint/2010/main" val="843320985"/>
       </p:ext>
     </p:extLst>
   </p:cSld>
   <p:clrMapOvr>
     <a:masterClrMapping/>
   </p:clrMapOvr>
+  <mc:AlternateContent xmlns:mc="http://schemas.openxmlformats.org/markup-compatibility/2006">
+    <mc:Choice xmlns:p14="http://schemas.microsoft.com/office/powerpoint/2010/main" Requires="p14">
+      <p:transition p14:dur="250">
+        <p:wipe/>
+      </p:transition>
+    </mc:Choice>
+    <mc:Fallback>
+      <p:transition>
+        <p:wipe/>
+      </p:transition>
+    </mc:Fallback>
+  </mc:AlternateContent>
 </p:sld>
 </file>
 
@@ -7782,47 +8142,12 @@
           <a:chExt cx="0" cy="0"/>
         </a:xfrm>
       </p:grpSpPr>
-      <p:sp>
-        <p:nvSpPr>
-          <p:cNvPr id="2" name="Titre 1">
-            <a:extLst>
-              <a:ext uri="{FF2B5EF4-FFF2-40B4-BE49-F238E27FC236}">
-                <a16:creationId xmlns:a16="http://schemas.microsoft.com/office/drawing/2014/main" id="{71F52973-9E34-4B64-BFE4-2E42711F3666}"/>
-              </a:ext>
-            </a:extLst>
-          </p:cNvPr>
-          <p:cNvSpPr>
-            <a:spLocks noGrp="1"/>
-          </p:cNvSpPr>
-          <p:nvPr>
-            <p:ph type="title"/>
-          </p:nvPr>
-        </p:nvSpPr>
-        <p:spPr>
-          <a:xfrm>
-            <a:off x="1123246" y="337738"/>
-            <a:ext cx="9905998" cy="721895"/>
-          </a:xfrm>
-        </p:spPr>
-        <p:txBody>
-          <a:bodyPr>
-            <a:normAutofit/>
-          </a:bodyPr>
-          <a:lstStyle/>
-          <a:p>
-            <a:r>
-              <a:rPr lang="fr-FR" dirty="0"/>
-              <a:t>Diagramme de Séquence</a:t>
-            </a:r>
-          </a:p>
-        </p:txBody>
-      </p:sp>
       <p:pic>
         <p:nvPicPr>
-          <p:cNvPr id="6" name="Image 5">
+          <p:cNvPr id="5" name="Image 4">
             <a:extLst>
               <a:ext uri="{FF2B5EF4-FFF2-40B4-BE49-F238E27FC236}">
-                <a16:creationId xmlns:a16="http://schemas.microsoft.com/office/drawing/2014/main" id="{F03CEA8B-2056-4FED-A6A0-20A9EFF96191}"/>
+                <a16:creationId xmlns:a16="http://schemas.microsoft.com/office/drawing/2014/main" id="{835E82E0-4789-488F-B982-3D411C8FBF22}"/>
               </a:ext>
             </a:extLst>
           </p:cNvPr>
@@ -7832,33 +8157,60 @@
           <p:nvPr/>
         </p:nvPicPr>
         <p:blipFill>
-          <a:blip r:embed="rId2">
-            <a:extLst>
-              <a:ext uri="{28A0092B-C50C-407E-A947-70E740481C1C}">
-                <a14:useLocalDpi xmlns:a14="http://schemas.microsoft.com/office/drawing/2010/main" val="0"/>
-              </a:ext>
-            </a:extLst>
-          </a:blip>
+          <a:blip r:embed="rId2"/>
           <a:stretch>
             <a:fillRect/>
           </a:stretch>
         </p:blipFill>
         <p:spPr>
           <a:xfrm>
-            <a:off x="9866489" y="6122696"/>
-            <a:ext cx="2325511" cy="735304"/>
+            <a:off x="7263497" y="1059632"/>
+            <a:ext cx="4460159" cy="2975951"/>
           </a:xfrm>
           <a:prstGeom prst="rect">
             <a:avLst/>
           </a:prstGeom>
         </p:spPr>
       </p:pic>
+      <p:sp>
+        <p:nvSpPr>
+          <p:cNvPr id="2" name="Titre 1">
+            <a:extLst>
+              <a:ext uri="{FF2B5EF4-FFF2-40B4-BE49-F238E27FC236}">
+                <a16:creationId xmlns:a16="http://schemas.microsoft.com/office/drawing/2014/main" id="{71F52973-9E34-4B64-BFE4-2E42711F3666}"/>
+              </a:ext>
+            </a:extLst>
+          </p:cNvPr>
+          <p:cNvSpPr>
+            <a:spLocks noGrp="1"/>
+          </p:cNvSpPr>
+          <p:nvPr>
+            <p:ph type="title"/>
+          </p:nvPr>
+        </p:nvSpPr>
+        <p:spPr>
+          <a:xfrm>
+            <a:off x="1123246" y="337738"/>
+            <a:ext cx="9905998" cy="721895"/>
+          </a:xfrm>
+        </p:spPr>
+        <p:txBody>
+          <a:bodyPr/>
+          <a:lstStyle/>
+          <a:p>
+            <a:r>
+              <a:rPr lang="fr-FR" dirty="0"/>
+              <a:t>Prototypes d’interfaces</a:t>
+            </a:r>
+          </a:p>
+        </p:txBody>
+      </p:sp>
       <p:pic>
         <p:nvPicPr>
-          <p:cNvPr id="4" name="Image 3">
+          <p:cNvPr id="6" name="Image 5">
             <a:extLst>
               <a:ext uri="{FF2B5EF4-FFF2-40B4-BE49-F238E27FC236}">
-                <a16:creationId xmlns:a16="http://schemas.microsoft.com/office/drawing/2014/main" id="{BAA3D6BA-A705-4395-B1AA-6AE82E27D723}"/>
+                <a16:creationId xmlns:a16="http://schemas.microsoft.com/office/drawing/2014/main" id="{F03CEA8B-2056-4FED-A6A0-20A9EFF96191}"/>
               </a:ext>
             </a:extLst>
           </p:cNvPr>
@@ -7881,8 +8233,108 @@
         </p:blipFill>
         <p:spPr>
           <a:xfrm>
-            <a:off x="2099063" y="1016195"/>
-            <a:ext cx="7954363" cy="5149940"/>
+            <a:off x="9866489" y="6122696"/>
+            <a:ext cx="2325511" cy="735304"/>
+          </a:xfrm>
+          <a:prstGeom prst="rect">
+            <a:avLst/>
+          </a:prstGeom>
+        </p:spPr>
+      </p:pic>
+      <p:pic>
+        <p:nvPicPr>
+          <p:cNvPr id="3" name="Image 2">
+            <a:extLst>
+              <a:ext uri="{FF2B5EF4-FFF2-40B4-BE49-F238E27FC236}">
+                <a16:creationId xmlns:a16="http://schemas.microsoft.com/office/drawing/2014/main" id="{CB71235A-5E66-4C1E-9EB2-49883238CCF2}"/>
+              </a:ext>
+            </a:extLst>
+          </p:cNvPr>
+          <p:cNvPicPr>
+            <a:picLocks noChangeAspect="1"/>
+          </p:cNvPicPr>
+          <p:nvPr/>
+        </p:nvPicPr>
+        <p:blipFill>
+          <a:blip r:embed="rId4"/>
+          <a:stretch>
+            <a:fillRect/>
+          </a:stretch>
+        </p:blipFill>
+        <p:spPr>
+          <a:xfrm>
+            <a:off x="432683" y="1059632"/>
+            <a:ext cx="4460159" cy="2975951"/>
+          </a:xfrm>
+          <a:prstGeom prst="rect">
+            <a:avLst/>
+          </a:prstGeom>
+        </p:spPr>
+      </p:pic>
+      <p:pic>
+        <p:nvPicPr>
+          <p:cNvPr id="4" name="Image 3">
+            <a:extLst>
+              <a:ext uri="{FF2B5EF4-FFF2-40B4-BE49-F238E27FC236}">
+                <a16:creationId xmlns:a16="http://schemas.microsoft.com/office/drawing/2014/main" id="{B18D5AFC-CF71-419A-B6F5-686363E534F3}"/>
+              </a:ext>
+            </a:extLst>
+          </p:cNvPr>
+          <p:cNvPicPr>
+            <a:picLocks noChangeAspect="1"/>
+          </p:cNvPicPr>
+          <p:nvPr/>
+        </p:nvPicPr>
+        <p:blipFill>
+          <a:blip r:embed="rId5"/>
+          <a:stretch>
+            <a:fillRect/>
+          </a:stretch>
+        </p:blipFill>
+        <p:spPr>
+          <a:xfrm>
+            <a:off x="3842399" y="2748201"/>
+            <a:ext cx="4467692" cy="2975950"/>
+          </a:xfrm>
+          <a:prstGeom prst="rect">
+            <a:avLst/>
+          </a:prstGeom>
+          <a:ln>
+            <a:noFill/>
+          </a:ln>
+          <a:effectLst>
+            <a:outerShdw blurRad="190500" algn="tl" rotWithShape="0">
+              <a:srgbClr val="000000">
+                <a:alpha val="70000"/>
+              </a:srgbClr>
+            </a:outerShdw>
+          </a:effectLst>
+        </p:spPr>
+      </p:pic>
+      <p:pic>
+        <p:nvPicPr>
+          <p:cNvPr id="7" name="Image 6">
+            <a:extLst>
+              <a:ext uri="{FF2B5EF4-FFF2-40B4-BE49-F238E27FC236}">
+                <a16:creationId xmlns:a16="http://schemas.microsoft.com/office/drawing/2014/main" id="{DCEC112A-D254-4E53-A320-F7049034615B}"/>
+              </a:ext>
+            </a:extLst>
+          </p:cNvPr>
+          <p:cNvPicPr>
+            <a:picLocks noChangeAspect="1"/>
+          </p:cNvPicPr>
+          <p:nvPr/>
+        </p:nvPicPr>
+        <p:blipFill>
+          <a:blip r:embed="rId6"/>
+          <a:stretch>
+            <a:fillRect/>
+          </a:stretch>
+        </p:blipFill>
+        <p:spPr>
+          <a:xfrm>
+            <a:off x="428834" y="4656600"/>
+            <a:ext cx="3038475" cy="1685925"/>
           </a:xfrm>
           <a:prstGeom prst="rect">
             <a:avLst/>
@@ -7892,13 +8344,25 @@
     </p:spTree>
     <p:extLst>
       <p:ext uri="{BB962C8B-B14F-4D97-AF65-F5344CB8AC3E}">
-        <p14:creationId xmlns:p14="http://schemas.microsoft.com/office/powerpoint/2010/main" val="1872808887"/>
+        <p14:creationId xmlns:p14="http://schemas.microsoft.com/office/powerpoint/2010/main" val="3320768902"/>
       </p:ext>
     </p:extLst>
   </p:cSld>
   <p:clrMapOvr>
     <a:masterClrMapping/>
   </p:clrMapOvr>
+  <mc:AlternateContent xmlns:mc="http://schemas.openxmlformats.org/markup-compatibility/2006">
+    <mc:Choice xmlns:p14="http://schemas.microsoft.com/office/powerpoint/2010/main" Requires="p14">
+      <p:transition p14:dur="250">
+        <p:wipe/>
+      </p:transition>
+    </mc:Choice>
+    <mc:Fallback>
+      <p:transition>
+        <p:wipe/>
+      </p:transition>
+    </mc:Fallback>
+  </mc:AlternateContent>
 </p:sld>
 </file>
 
@@ -7937,29 +8401,27 @@
         </p:nvSpPr>
         <p:spPr>
           <a:xfrm>
-            <a:off x="1123246" y="337738"/>
-            <a:ext cx="9905998" cy="721895"/>
-          </a:xfrm>
-        </p:spPr>
-        <p:txBody>
-          <a:bodyPr>
-            <a:normAutofit/>
-          </a:bodyPr>
+            <a:off x="1141413" y="453442"/>
+            <a:ext cx="9905998" cy="641684"/>
+          </a:xfrm>
+        </p:spPr>
+        <p:txBody>
+          <a:bodyPr/>
           <a:lstStyle/>
           <a:p>
             <a:r>
               <a:rPr lang="fr-FR" dirty="0"/>
-              <a:t>Diagramme de Séquence</a:t>
+              <a:t>Diagramme de cas d’utilisation</a:t>
             </a:r>
           </a:p>
         </p:txBody>
       </p:sp>
       <p:pic>
         <p:nvPicPr>
-          <p:cNvPr id="6" name="Image 5">
+          <p:cNvPr id="11" name="Image 10">
             <a:extLst>
               <a:ext uri="{FF2B5EF4-FFF2-40B4-BE49-F238E27FC236}">
-                <a16:creationId xmlns:a16="http://schemas.microsoft.com/office/drawing/2014/main" id="{F03CEA8B-2056-4FED-A6A0-20A9EFF96191}"/>
+                <a16:creationId xmlns:a16="http://schemas.microsoft.com/office/drawing/2014/main" id="{8B910C28-E141-4676-961B-2155CC175E1D}"/>
               </a:ext>
             </a:extLst>
           </p:cNvPr>
@@ -7995,7 +8457,7 @@
           <p:cNvPr id="8" name="Image 7">
             <a:extLst>
               <a:ext uri="{FF2B5EF4-FFF2-40B4-BE49-F238E27FC236}">
-                <a16:creationId xmlns:a16="http://schemas.microsoft.com/office/drawing/2014/main" id="{4C17951B-77B4-4B2A-A91B-667552F706AD}"/>
+                <a16:creationId xmlns:a16="http://schemas.microsoft.com/office/drawing/2014/main" id="{2C447C5D-DF9A-4CC8-835D-EDCD16AC2970}"/>
               </a:ext>
             </a:extLst>
           </p:cNvPr>
@@ -8018,8 +8480,8 @@
         </p:blipFill>
         <p:spPr>
           <a:xfrm>
-            <a:off x="2349768" y="1059633"/>
-            <a:ext cx="7452953" cy="5293041"/>
+            <a:off x="2810383" y="1095126"/>
+            <a:ext cx="6568058" cy="5305674"/>
           </a:xfrm>
           <a:prstGeom prst="rect">
             <a:avLst/>
@@ -8029,13 +8491,25 @@
     </p:spTree>
     <p:extLst>
       <p:ext uri="{BB962C8B-B14F-4D97-AF65-F5344CB8AC3E}">
-        <p14:creationId xmlns:p14="http://schemas.microsoft.com/office/powerpoint/2010/main" val="2819139166"/>
+        <p14:creationId xmlns:p14="http://schemas.microsoft.com/office/powerpoint/2010/main" val="1537114341"/>
       </p:ext>
     </p:extLst>
   </p:cSld>
   <p:clrMapOvr>
     <a:masterClrMapping/>
   </p:clrMapOvr>
+  <mc:AlternateContent xmlns:mc="http://schemas.openxmlformats.org/markup-compatibility/2006">
+    <mc:Choice xmlns:p14="http://schemas.microsoft.com/office/powerpoint/2010/main" Requires="p14">
+      <p:transition p14:dur="250">
+        <p:wipe/>
+      </p:transition>
+    </mc:Choice>
+    <mc:Fallback>
+      <p:transition>
+        <p:wipe/>
+      </p:transition>
+    </mc:Fallback>
+  </mc:AlternateContent>
 </p:sld>
 </file>
 
@@ -8132,7 +8606,7 @@
           <p:cNvPr id="4" name="Image 3">
             <a:extLst>
               <a:ext uri="{FF2B5EF4-FFF2-40B4-BE49-F238E27FC236}">
-                <a16:creationId xmlns:a16="http://schemas.microsoft.com/office/drawing/2014/main" id="{0EB27886-F902-4F3A-AD43-88528603FC64}"/>
+                <a16:creationId xmlns:a16="http://schemas.microsoft.com/office/drawing/2014/main" id="{BAA3D6BA-A705-4395-B1AA-6AE82E27D723}"/>
               </a:ext>
             </a:extLst>
           </p:cNvPr>
@@ -8155,8 +8629,8 @@
         </p:blipFill>
         <p:spPr>
           <a:xfrm>
-            <a:off x="1878432" y="1059633"/>
-            <a:ext cx="8395625" cy="5063063"/>
+            <a:off x="2099063" y="1016195"/>
+            <a:ext cx="7954363" cy="5149940"/>
           </a:xfrm>
           <a:prstGeom prst="rect">
             <a:avLst/>
@@ -8166,13 +8640,25 @@
     </p:spTree>
     <p:extLst>
       <p:ext uri="{BB962C8B-B14F-4D97-AF65-F5344CB8AC3E}">
-        <p14:creationId xmlns:p14="http://schemas.microsoft.com/office/powerpoint/2010/main" val="2135174011"/>
+        <p14:creationId xmlns:p14="http://schemas.microsoft.com/office/powerpoint/2010/main" val="1872808887"/>
       </p:ext>
     </p:extLst>
   </p:cSld>
   <p:clrMapOvr>
     <a:masterClrMapping/>
   </p:clrMapOvr>
+  <mc:AlternateContent xmlns:mc="http://schemas.openxmlformats.org/markup-compatibility/2006">
+    <mc:Choice xmlns:p14="http://schemas.microsoft.com/office/powerpoint/2010/main" Requires="p14">
+      <p:transition p14:dur="250">
+        <p:wipe/>
+      </p:transition>
+    </mc:Choice>
+    <mc:Fallback>
+      <p:transition>
+        <p:wipe/>
+      </p:transition>
+    </mc:Fallback>
+  </mc:AlternateContent>
 </p:sld>
 </file>
 
